--- a/esd/esd.pptx
+++ b/esd/esd.pptx
@@ -5,16 +5,18 @@
     <p:sldMasterId id="2147483648" r:id="rId1"/>
   </p:sldMasterIdLst>
   <p:notesMasterIdLst>
-    <p:notesMasterId r:id="rId9"/>
+    <p:notesMasterId r:id="rId11"/>
   </p:notesMasterIdLst>
   <p:sldIdLst>
-    <p:sldId id="360" r:id="rId2"/>
-    <p:sldId id="362" r:id="rId3"/>
-    <p:sldId id="364" r:id="rId4"/>
-    <p:sldId id="367" r:id="rId5"/>
-    <p:sldId id="365" r:id="rId6"/>
-    <p:sldId id="366" r:id="rId7"/>
-    <p:sldId id="368" r:id="rId8"/>
+    <p:sldId id="354" r:id="rId2"/>
+    <p:sldId id="353" r:id="rId3"/>
+    <p:sldId id="356" r:id="rId4"/>
+    <p:sldId id="355" r:id="rId5"/>
+    <p:sldId id="358" r:id="rId6"/>
+    <p:sldId id="357" r:id="rId7"/>
+    <p:sldId id="359" r:id="rId8"/>
+    <p:sldId id="363" r:id="rId9"/>
+    <p:sldId id="361" r:id="rId10"/>
   </p:sldIdLst>
   <p:sldSz cx="12192000" cy="6858000"/>
   <p:notesSz cx="6858000" cy="9144000"/>
@@ -124,127 +126,234 @@
 <file path=ppt/changesInfos/changesInfo1.xml><?xml version="1.0" encoding="utf-8"?>
 <pc:chgInfo xmlns:a="http://schemas.openxmlformats.org/drawingml/2006/main" xmlns:r="http://schemas.openxmlformats.org/officeDocument/2006/relationships" xmlns:ac="http://schemas.microsoft.com/office/drawing/2013/main/command" xmlns:pc="http://schemas.microsoft.com/office/powerpoint/2013/main/command">
   <pc:docChgLst>
-    <pc:chgData name="균 영" userId="c3005608dac53a9a" providerId="LiveId" clId="{AA002339-93C7-434F-97E4-712BEB9CB5D8}"/>
-    <pc:docChg chg="undo custSel addSld delSld">
-      <pc:chgData name="균 영" userId="c3005608dac53a9a" providerId="LiveId" clId="{AA002339-93C7-434F-97E4-712BEB9CB5D8}" dt="2024-07-30T02:11:57.382" v="15" actId="47"/>
+    <pc:chgData name="균 영" userId="c3005608dac53a9a" providerId="LiveId" clId="{B95CB0E3-D8AF-4897-A711-5B013EF28F47}"/>
+    <pc:docChg chg="undo custSel addSld delSld sldOrd">
+      <pc:chgData name="균 영" userId="c3005608dac53a9a" providerId="LiveId" clId="{B95CB0E3-D8AF-4897-A711-5B013EF28F47}" dt="2024-07-30T02:11:33.940" v="30" actId="47"/>
       <pc:docMkLst>
         <pc:docMk/>
       </pc:docMkLst>
       <pc:sldChg chg="del">
-        <pc:chgData name="균 영" userId="c3005608dac53a9a" providerId="LiveId" clId="{AA002339-93C7-434F-97E4-712BEB9CB5D8}" dt="2024-07-30T02:11:54.715" v="8" actId="47"/>
+        <pc:chgData name="균 영" userId="c3005608dac53a9a" providerId="LiveId" clId="{B95CB0E3-D8AF-4897-A711-5B013EF28F47}" dt="2024-07-30T02:11:18.010" v="18" actId="47"/>
+        <pc:sldMkLst>
+          <pc:docMk/>
+          <pc:sldMk cId="2243664430" sldId="347"/>
+        </pc:sldMkLst>
+      </pc:sldChg>
+      <pc:sldChg chg="del">
+        <pc:chgData name="균 영" userId="c3005608dac53a9a" providerId="LiveId" clId="{B95CB0E3-D8AF-4897-A711-5B013EF28F47}" dt="2024-07-30T02:11:18.204" v="19" actId="47"/>
+        <pc:sldMkLst>
+          <pc:docMk/>
+          <pc:sldMk cId="3755522942" sldId="348"/>
+        </pc:sldMkLst>
+      </pc:sldChg>
+      <pc:sldChg chg="del">
+        <pc:chgData name="균 영" userId="c3005608dac53a9a" providerId="LiveId" clId="{B95CB0E3-D8AF-4897-A711-5B013EF28F47}" dt="2024-07-30T02:11:18.454" v="20" actId="47"/>
+        <pc:sldMkLst>
+          <pc:docMk/>
+          <pc:sldMk cId="1702793704" sldId="349"/>
+        </pc:sldMkLst>
+      </pc:sldChg>
+      <pc:sldChg chg="del">
+        <pc:chgData name="균 영" userId="c3005608dac53a9a" providerId="LiveId" clId="{B95CB0E3-D8AF-4897-A711-5B013EF28F47}" dt="2024-07-30T02:11:18.782" v="21" actId="47"/>
+        <pc:sldMkLst>
+          <pc:docMk/>
+          <pc:sldMk cId="3195738172" sldId="350"/>
+        </pc:sldMkLst>
+      </pc:sldChg>
+      <pc:sldChg chg="del">
+        <pc:chgData name="균 영" userId="c3005608dac53a9a" providerId="LiveId" clId="{B95CB0E3-D8AF-4897-A711-5B013EF28F47}" dt="2024-07-30T02:11:19.085" v="22" actId="47"/>
+        <pc:sldMkLst>
+          <pc:docMk/>
+          <pc:sldMk cId="533014721" sldId="351"/>
+        </pc:sldMkLst>
+      </pc:sldChg>
+      <pc:sldChg chg="del">
+        <pc:chgData name="균 영" userId="c3005608dac53a9a" providerId="LiveId" clId="{B95CB0E3-D8AF-4897-A711-5B013EF28F47}" dt="2024-07-30T02:11:19.446" v="23" actId="47"/>
+        <pc:sldMkLst>
+          <pc:docMk/>
+          <pc:sldMk cId="1604636728" sldId="352"/>
+        </pc:sldMkLst>
+      </pc:sldChg>
+      <pc:sldChg chg="add">
+        <pc:chgData name="균 영" userId="c3005608dac53a9a" providerId="LiveId" clId="{B95CB0E3-D8AF-4897-A711-5B013EF28F47}" dt="2024-07-30T02:11:12.744" v="14" actId="47"/>
         <pc:sldMkLst>
           <pc:docMk/>
           <pc:sldMk cId="687902734" sldId="353"/>
         </pc:sldMkLst>
       </pc:sldChg>
-      <pc:sldChg chg="del">
-        <pc:chgData name="균 영" userId="c3005608dac53a9a" providerId="LiveId" clId="{AA002339-93C7-434F-97E4-712BEB9CB5D8}" dt="2024-07-30T02:11:54.537" v="7" actId="47"/>
+      <pc:sldChg chg="add">
+        <pc:chgData name="균 영" userId="c3005608dac53a9a" providerId="LiveId" clId="{B95CB0E3-D8AF-4897-A711-5B013EF28F47}" dt="2024-07-30T02:11:13.177" v="15" actId="47"/>
         <pc:sldMkLst>
           <pc:docMk/>
           <pc:sldMk cId="1984447833" sldId="354"/>
         </pc:sldMkLst>
       </pc:sldChg>
-      <pc:sldChg chg="del">
-        <pc:chgData name="균 영" userId="c3005608dac53a9a" providerId="LiveId" clId="{AA002339-93C7-434F-97E4-712BEB9CB5D8}" dt="2024-07-30T02:11:55.055" v="10" actId="47"/>
+      <pc:sldChg chg="add">
+        <pc:chgData name="균 영" userId="c3005608dac53a9a" providerId="LiveId" clId="{B95CB0E3-D8AF-4897-A711-5B013EF28F47}" dt="2024-07-30T02:11:11.681" v="12" actId="47"/>
         <pc:sldMkLst>
           <pc:docMk/>
           <pc:sldMk cId="1234894783" sldId="355"/>
         </pc:sldMkLst>
       </pc:sldChg>
-      <pc:sldChg chg="del">
-        <pc:chgData name="균 영" userId="c3005608dac53a9a" providerId="LiveId" clId="{AA002339-93C7-434F-97E4-712BEB9CB5D8}" dt="2024-07-30T02:11:54.881" v="9" actId="47"/>
+      <pc:sldChg chg="add">
+        <pc:chgData name="균 영" userId="c3005608dac53a9a" providerId="LiveId" clId="{B95CB0E3-D8AF-4897-A711-5B013EF28F47}" dt="2024-07-30T02:11:12.231" v="13" actId="47"/>
         <pc:sldMkLst>
           <pc:docMk/>
           <pc:sldMk cId="3646438890" sldId="356"/>
         </pc:sldMkLst>
       </pc:sldChg>
-      <pc:sldChg chg="del">
-        <pc:chgData name="균 영" userId="c3005608dac53a9a" providerId="LiveId" clId="{AA002339-93C7-434F-97E4-712BEB9CB5D8}" dt="2024-07-30T02:11:55.743" v="12" actId="47"/>
+      <pc:sldChg chg="add">
+        <pc:chgData name="균 영" userId="c3005608dac53a9a" providerId="LiveId" clId="{B95CB0E3-D8AF-4897-A711-5B013EF28F47}" dt="2024-07-30T02:11:11.328" v="10" actId="47"/>
         <pc:sldMkLst>
           <pc:docMk/>
           <pc:sldMk cId="1339562651" sldId="357"/>
         </pc:sldMkLst>
       </pc:sldChg>
-      <pc:sldChg chg="del">
-        <pc:chgData name="균 영" userId="c3005608dac53a9a" providerId="LiveId" clId="{AA002339-93C7-434F-97E4-712BEB9CB5D8}" dt="2024-07-30T02:11:55.529" v="11" actId="47"/>
+      <pc:sldChg chg="add">
+        <pc:chgData name="균 영" userId="c3005608dac53a9a" providerId="LiveId" clId="{B95CB0E3-D8AF-4897-A711-5B013EF28F47}" dt="2024-07-30T02:11:11.523" v="11" actId="47"/>
         <pc:sldMkLst>
           <pc:docMk/>
           <pc:sldMk cId="871603039" sldId="358"/>
         </pc:sldMkLst>
       </pc:sldChg>
-      <pc:sldChg chg="del">
-        <pc:chgData name="균 영" userId="c3005608dac53a9a" providerId="LiveId" clId="{AA002339-93C7-434F-97E4-712BEB9CB5D8}" dt="2024-07-30T02:11:56.239" v="13" actId="47"/>
+      <pc:sldChg chg="add">
+        <pc:chgData name="균 영" userId="c3005608dac53a9a" providerId="LiveId" clId="{B95CB0E3-D8AF-4897-A711-5B013EF28F47}" dt="2024-07-30T02:11:11.159" v="9" actId="47"/>
         <pc:sldMkLst>
           <pc:docMk/>
           <pc:sldMk cId="3399002376" sldId="359"/>
         </pc:sldMkLst>
       </pc:sldChg>
-      <pc:sldChg chg="add">
-        <pc:chgData name="균 영" userId="c3005608dac53a9a" providerId="LiveId" clId="{AA002339-93C7-434F-97E4-712BEB9CB5D8}" dt="2024-07-30T02:11:51.220" v="6" actId="47"/>
+      <pc:sldChg chg="add del">
+        <pc:chgData name="균 영" userId="c3005608dac53a9a" providerId="LiveId" clId="{B95CB0E3-D8AF-4897-A711-5B013EF28F47}" dt="2024-07-30T02:11:31.852" v="24" actId="47"/>
         <pc:sldMkLst>
           <pc:docMk/>
           <pc:sldMk cId="3042616642" sldId="360"/>
         </pc:sldMkLst>
       </pc:sldChg>
-      <pc:sldChg chg="del">
-        <pc:chgData name="균 영" userId="c3005608dac53a9a" providerId="LiveId" clId="{AA002339-93C7-434F-97E4-712BEB9CB5D8}" dt="2024-07-30T02:11:57.382" v="15" actId="47"/>
+      <pc:sldChg chg="add">
+        <pc:chgData name="균 영" userId="c3005608dac53a9a" providerId="LiveId" clId="{B95CB0E3-D8AF-4897-A711-5B013EF28F47}" dt="2024-07-30T02:11:10.851" v="7" actId="47"/>
         <pc:sldMkLst>
           <pc:docMk/>
           <pc:sldMk cId="1342617184" sldId="361"/>
         </pc:sldMkLst>
       </pc:sldChg>
-      <pc:sldChg chg="add">
-        <pc:chgData name="균 영" userId="c3005608dac53a9a" providerId="LiveId" clId="{AA002339-93C7-434F-97E4-712BEB9CB5D8}" dt="2024-07-30T02:11:50.764" v="5" actId="47"/>
+      <pc:sldChg chg="add del">
+        <pc:chgData name="균 영" userId="c3005608dac53a9a" providerId="LiveId" clId="{B95CB0E3-D8AF-4897-A711-5B013EF28F47}" dt="2024-07-30T02:11:32.350" v="25" actId="47"/>
         <pc:sldMkLst>
           <pc:docMk/>
           <pc:sldMk cId="880394299" sldId="362"/>
         </pc:sldMkLst>
       </pc:sldChg>
-      <pc:sldChg chg="del">
-        <pc:chgData name="균 영" userId="c3005608dac53a9a" providerId="LiveId" clId="{AA002339-93C7-434F-97E4-712BEB9CB5D8}" dt="2024-07-30T02:11:56.594" v="14" actId="47"/>
+      <pc:sldChg chg="add">
+        <pc:chgData name="균 영" userId="c3005608dac53a9a" providerId="LiveId" clId="{B95CB0E3-D8AF-4897-A711-5B013EF28F47}" dt="2024-07-30T02:11:11.005" v="8" actId="47"/>
         <pc:sldMkLst>
           <pc:docMk/>
           <pc:sldMk cId="605272073" sldId="363"/>
         </pc:sldMkLst>
       </pc:sldChg>
-      <pc:sldChg chg="add">
-        <pc:chgData name="균 영" userId="c3005608dac53a9a" providerId="LiveId" clId="{AA002339-93C7-434F-97E4-712BEB9CB5D8}" dt="2024-07-30T02:11:50.608" v="4" actId="47"/>
+      <pc:sldChg chg="add del">
+        <pc:chgData name="균 영" userId="c3005608dac53a9a" providerId="LiveId" clId="{B95CB0E3-D8AF-4897-A711-5B013EF28F47}" dt="2024-07-30T02:11:32.605" v="26" actId="47"/>
         <pc:sldMkLst>
           <pc:docMk/>
           <pc:sldMk cId="2679104708" sldId="364"/>
         </pc:sldMkLst>
       </pc:sldChg>
-      <pc:sldChg chg="add">
-        <pc:chgData name="균 영" userId="c3005608dac53a9a" providerId="LiveId" clId="{AA002339-93C7-434F-97E4-712BEB9CB5D8}" dt="2024-07-30T02:11:50.341" v="2" actId="47"/>
+      <pc:sldChg chg="add del">
+        <pc:chgData name="균 영" userId="c3005608dac53a9a" providerId="LiveId" clId="{B95CB0E3-D8AF-4897-A711-5B013EF28F47}" dt="2024-07-30T02:11:33.048" v="28" actId="47"/>
         <pc:sldMkLst>
           <pc:docMk/>
           <pc:sldMk cId="2590863163" sldId="365"/>
         </pc:sldMkLst>
       </pc:sldChg>
-      <pc:sldChg chg="add">
-        <pc:chgData name="균 영" userId="c3005608dac53a9a" providerId="LiveId" clId="{AA002339-93C7-434F-97E4-712BEB9CB5D8}" dt="2024-07-30T02:11:50.167" v="1" actId="47"/>
+      <pc:sldChg chg="add del">
+        <pc:chgData name="균 영" userId="c3005608dac53a9a" providerId="LiveId" clId="{B95CB0E3-D8AF-4897-A711-5B013EF28F47}" dt="2024-07-30T02:11:33.240" v="29" actId="47"/>
         <pc:sldMkLst>
           <pc:docMk/>
           <pc:sldMk cId="173449476" sldId="366"/>
         </pc:sldMkLst>
       </pc:sldChg>
-      <pc:sldChg chg="add">
-        <pc:chgData name="균 영" userId="c3005608dac53a9a" providerId="LiveId" clId="{AA002339-93C7-434F-97E4-712BEB9CB5D8}" dt="2024-07-30T02:11:50.469" v="3" actId="47"/>
+      <pc:sldChg chg="add del">
+        <pc:chgData name="균 영" userId="c3005608dac53a9a" providerId="LiveId" clId="{B95CB0E3-D8AF-4897-A711-5B013EF28F47}" dt="2024-07-30T02:11:32.819" v="27" actId="47"/>
         <pc:sldMkLst>
           <pc:docMk/>
           <pc:sldMk cId="1913005877" sldId="367"/>
         </pc:sldMkLst>
       </pc:sldChg>
-      <pc:sldChg chg="add">
-        <pc:chgData name="균 영" userId="c3005608dac53a9a" providerId="LiveId" clId="{AA002339-93C7-434F-97E4-712BEB9CB5D8}" dt="2024-07-30T02:11:49.961" v="0" actId="47"/>
+      <pc:sldChg chg="add del">
+        <pc:chgData name="균 영" userId="c3005608dac53a9a" providerId="LiveId" clId="{B95CB0E3-D8AF-4897-A711-5B013EF28F47}" dt="2024-07-30T02:11:33.940" v="30" actId="47"/>
         <pc:sldMkLst>
           <pc:docMk/>
           <pc:sldMk cId="454506280" sldId="368"/>
         </pc:sldMkLst>
       </pc:sldChg>
+      <pc:sldChg chg="del ord">
+        <pc:chgData name="균 영" userId="c3005608dac53a9a" providerId="LiveId" clId="{B95CB0E3-D8AF-4897-A711-5B013EF28F47}" dt="2024-07-30T02:11:16.240" v="17" actId="47"/>
+        <pc:sldMkLst>
+          <pc:docMk/>
+          <pc:sldMk cId="1658428145" sldId="369"/>
+        </pc:sldMkLst>
+      </pc:sldChg>
     </pc:docChg>
   </pc:docChgLst>
 </pc:chgInfo>
+</file>
+
+<file path=ppt/ink/ink1.xml><?xml version="1.0" encoding="utf-8"?>
+<inkml:ink xmlns:inkml="http://www.w3.org/2003/InkML">
+  <inkml:definitions>
+    <inkml:context xml:id="ctx0">
+      <inkml:inkSource xml:id="inkSrc0">
+        <inkml:traceFormat>
+          <inkml:channel name="X" type="integer" min="-2.14748E9" max="2.14748E9" units="cm"/>
+          <inkml:channel name="Y" type="integer" min="-2.14748E9" max="2.14748E9" units="cm"/>
+        </inkml:traceFormat>
+        <inkml:channelProperties>
+          <inkml:channelProperty channel="X" name="resolution" value="1000" units="1/cm"/>
+          <inkml:channelProperty channel="Y" name="resolution" value="1000" units="1/cm"/>
+        </inkml:channelProperties>
+      </inkml:inkSource>
+      <inkml:timestamp xml:id="ts0" timeString="2024-07-16T19:50:28.663"/>
+    </inkml:context>
+    <inkml:brush xml:id="br0">
+      <inkml:brushProperty name="width" value="0.3" units="cm"/>
+      <inkml:brushProperty name="height" value="0.6" units="cm"/>
+      <inkml:brushProperty name="color" value="#FFFC00"/>
+      <inkml:brushProperty name="tip" value="rectangle"/>
+      <inkml:brushProperty name="rasterOp" value="maskPen"/>
+      <inkml:brushProperty name="ignorePressure" value="1"/>
+    </inkml:brush>
+  </inkml:definitions>
+  <inkml:trace contextRef="#ctx0" brushRef="#br0">1 123,'6064'0,"-6044"0</inkml:trace>
+</inkml:ink>
+</file>
+
+<file path=ppt/ink/ink2.xml><?xml version="1.0" encoding="utf-8"?>
+<inkml:ink xmlns:inkml="http://www.w3.org/2003/InkML">
+  <inkml:definitions>
+    <inkml:context xml:id="ctx0">
+      <inkml:inkSource xml:id="inkSrc0">
+        <inkml:traceFormat>
+          <inkml:channel name="X" type="integer" min="-2.14748E9" max="2.14748E9" units="cm"/>
+          <inkml:channel name="Y" type="integer" min="-2.14748E9" max="2.14748E9" units="cm"/>
+        </inkml:traceFormat>
+        <inkml:channelProperties>
+          <inkml:channelProperty channel="X" name="resolution" value="1000" units="1/cm"/>
+          <inkml:channelProperty channel="Y" name="resolution" value="1000" units="1/cm"/>
+        </inkml:channelProperties>
+      </inkml:inkSource>
+      <inkml:timestamp xml:id="ts0" timeString="2024-07-16T19:50:36.416"/>
+    </inkml:context>
+    <inkml:brush xml:id="br0">
+      <inkml:brushProperty name="width" value="0.3" units="cm"/>
+      <inkml:brushProperty name="height" value="0.6" units="cm"/>
+      <inkml:brushProperty name="color" value="#FFFC00"/>
+      <inkml:brushProperty name="tip" value="rectangle"/>
+      <inkml:brushProperty name="rasterOp" value="maskPen"/>
+      <inkml:brushProperty name="ignorePressure" value="1"/>
+    </inkml:brush>
+  </inkml:definitions>
+  <inkml:trace contextRef="#ctx0" brushRef="#br0">1 48,'7480'42,"-3747"-84,-3716 42</inkml:trace>
+</inkml:ink>
 </file>
 
 <file path=ppt/notesMasters/notesMaster1.xml><?xml version="1.0" encoding="utf-8"?>
@@ -3834,7 +3943,7 @@
         </p:spPr>
         <p:txBody>
           <a:bodyPr>
-            <a:normAutofit/>
+            <a:normAutofit fontScale="90000"/>
           </a:bodyPr>
           <a:lstStyle/>
           <a:p>
@@ -3843,7 +3952,7 @@
                 <a:latin typeface="Times New Roman" panose="02020603050405020304" pitchFamily="18" charset="0"/>
                 <a:cs typeface="Times New Roman" panose="02020603050405020304" pitchFamily="18" charset="0"/>
               </a:rPr>
-              <a:t>Forget-Me-Not</a:t>
+              <a:t>Erased Stable Diffusion (ESD)</a:t>
             </a:r>
           </a:p>
         </p:txBody>
@@ -3851,7 +3960,7 @@
     </p:spTree>
     <p:extLst>
       <p:ext uri="{BB962C8B-B14F-4D97-AF65-F5344CB8AC3E}">
-        <p14:creationId xmlns:p14="http://schemas.microsoft.com/office/powerpoint/2010/main" val="3042616642"/>
+        <p14:creationId xmlns:p14="http://schemas.microsoft.com/office/powerpoint/2010/main" val="1984447833"/>
       </p:ext>
     </p:extLst>
   </p:cSld>
@@ -3896,7 +4005,7 @@
         </p:nvSpPr>
         <p:spPr>
           <a:xfrm>
-            <a:off x="838200" y="1831376"/>
+            <a:off x="838200" y="1825625"/>
             <a:ext cx="10515600" cy="4320651"/>
           </a:xfrm>
         </p:spPr>
@@ -3909,21 +4018,39 @@
                 <a:latin typeface="Times New Roman" panose="02020603050405020304" pitchFamily="18" charset="0"/>
                 <a:cs typeface="Times New Roman" panose="02020603050405020304" pitchFamily="18" charset="0"/>
               </a:rPr>
-              <a:t>Introduce the Memorization Score (M-Score) and </a:t>
-            </a:r>
-            <a:r>
-              <a:rPr lang="en-US" altLang="ko-KR" dirty="0" err="1">
-                <a:latin typeface="Times New Roman" panose="02020603050405020304" pitchFamily="18" charset="0"/>
-                <a:cs typeface="Times New Roman" panose="02020603050405020304" pitchFamily="18" charset="0"/>
-              </a:rPr>
-              <a:t>ConceptBench</a:t>
-            </a:r>
+              <a:t>Study erasure of specific concepts from diffusion model weights</a:t>
+            </a:r>
+          </a:p>
+          <a:p>
             <a:endParaRPr lang="en-US" altLang="ko-KR" dirty="0">
               <a:latin typeface="Times New Roman" panose="02020603050405020304" pitchFamily="18" charset="0"/>
               <a:cs typeface="Times New Roman" panose="02020603050405020304" pitchFamily="18" charset="0"/>
             </a:endParaRPr>
           </a:p>
           <a:p>
+            <a:r>
+              <a:rPr lang="en-US" altLang="ko-KR" dirty="0">
+                <a:latin typeface="Times New Roman" panose="02020603050405020304" pitchFamily="18" charset="0"/>
+                <a:cs typeface="Times New Roman" panose="02020603050405020304" pitchFamily="18" charset="0"/>
+              </a:rPr>
+              <a:t>Fine-tuning from a pre-trained diffusion model(LDM </a:t>
+            </a:r>
+            <a:r>
+              <a:rPr lang="ko-KR" altLang="en-US" dirty="0">
+                <a:latin typeface="Times New Roman" panose="02020603050405020304" pitchFamily="18" charset="0"/>
+                <a:cs typeface="Times New Roman" panose="02020603050405020304" pitchFamily="18" charset="0"/>
+              </a:rPr>
+              <a:t>사용</a:t>
+            </a:r>
+            <a:r>
+              <a:rPr lang="en-US" altLang="ko-KR" dirty="0">
+                <a:latin typeface="Times New Roman" panose="02020603050405020304" pitchFamily="18" charset="0"/>
+                <a:cs typeface="Times New Roman" panose="02020603050405020304" pitchFamily="18" charset="0"/>
+              </a:rPr>
+              <a:t>)</a:t>
+            </a:r>
+          </a:p>
+          <a:p>
             <a:endParaRPr lang="en-US" altLang="ko-KR" dirty="0">
               <a:latin typeface="Times New Roman" panose="02020603050405020304" pitchFamily="18" charset="0"/>
               <a:cs typeface="Times New Roman" panose="02020603050405020304" pitchFamily="18" charset="0"/>
@@ -3931,12 +4058,100 @@
           </a:p>
           <a:p>
             <a:r>
+              <a:rPr lang="ko-KR" altLang="en-US" dirty="0">
+                <a:latin typeface="Times New Roman" panose="02020603050405020304" pitchFamily="18" charset="0"/>
+                <a:cs typeface="Times New Roman" panose="02020603050405020304" pitchFamily="18" charset="0"/>
+              </a:rPr>
+              <a:t>기존의 </a:t>
+            </a:r>
+            <a:r>
               <a:rPr lang="en-US" altLang="ko-KR" dirty="0">
                 <a:latin typeface="Times New Roman" panose="02020603050405020304" pitchFamily="18" charset="0"/>
                 <a:cs typeface="Times New Roman" panose="02020603050405020304" pitchFamily="18" charset="0"/>
               </a:rPr>
-              <a:t>Only applies to models with cross attention</a:t>
-            </a:r>
+              <a:t>Inference-based methods</a:t>
+            </a:r>
+            <a:r>
+              <a:rPr lang="ko-KR" altLang="en-US" dirty="0">
+                <a:latin typeface="Times New Roman" panose="02020603050405020304" pitchFamily="18" charset="0"/>
+                <a:cs typeface="Times New Roman" panose="02020603050405020304" pitchFamily="18" charset="0"/>
+              </a:rPr>
+              <a:t>는 효과적으로 </a:t>
+            </a:r>
+            <a:r>
+              <a:rPr lang="en-US" altLang="ko-KR" dirty="0">
+                <a:latin typeface="Times New Roman" panose="02020603050405020304" pitchFamily="18" charset="0"/>
+                <a:cs typeface="Times New Roman" panose="02020603050405020304" pitchFamily="18" charset="0"/>
+              </a:rPr>
+              <a:t>censor or steer </a:t>
+            </a:r>
+            <a:r>
+              <a:rPr lang="ko-KR" altLang="en-US" dirty="0">
+                <a:latin typeface="Times New Roman" panose="02020603050405020304" pitchFamily="18" charset="0"/>
+                <a:cs typeface="Times New Roman" panose="02020603050405020304" pitchFamily="18" charset="0"/>
+              </a:rPr>
+              <a:t>할 수 있지만</a:t>
+            </a:r>
+            <a:r>
+              <a:rPr lang="en-US" altLang="ko-KR" dirty="0">
+                <a:latin typeface="Times New Roman" panose="02020603050405020304" pitchFamily="18" charset="0"/>
+                <a:cs typeface="Times New Roman" panose="02020603050405020304" pitchFamily="18" charset="0"/>
+              </a:rPr>
+              <a:t>, </a:t>
+            </a:r>
+            <a:r>
+              <a:rPr lang="ko-KR" altLang="en-US" dirty="0">
+                <a:latin typeface="Times New Roman" panose="02020603050405020304" pitchFamily="18" charset="0"/>
+                <a:cs typeface="Times New Roman" panose="02020603050405020304" pitchFamily="18" charset="0"/>
+              </a:rPr>
+              <a:t>쉽게 우회 가능</a:t>
+            </a:r>
+            <a:r>
+              <a:rPr lang="en-US" altLang="ko-KR" dirty="0">
+                <a:latin typeface="Times New Roman" panose="02020603050405020304" pitchFamily="18" charset="0"/>
+                <a:cs typeface="Times New Roman" panose="02020603050405020304" pitchFamily="18" charset="0"/>
+              </a:rPr>
+              <a:t>. </a:t>
+            </a:r>
+            <a:r>
+              <a:rPr lang="ko-KR" altLang="en-US" dirty="0">
+                <a:latin typeface="Times New Roman" panose="02020603050405020304" pitchFamily="18" charset="0"/>
+                <a:cs typeface="Times New Roman" panose="02020603050405020304" pitchFamily="18" charset="0"/>
+              </a:rPr>
+              <a:t>반면 이 방법은 </a:t>
+            </a:r>
+            <a:r>
+              <a:rPr lang="en-US" altLang="ko-KR" dirty="0">
+                <a:latin typeface="Times New Roman" panose="02020603050405020304" pitchFamily="18" charset="0"/>
+                <a:cs typeface="Times New Roman" panose="02020603050405020304" pitchFamily="18" charset="0"/>
+              </a:rPr>
+              <a:t>model</a:t>
+            </a:r>
+            <a:r>
+              <a:rPr lang="ko-KR" altLang="en-US" dirty="0">
+                <a:latin typeface="Times New Roman" panose="02020603050405020304" pitchFamily="18" charset="0"/>
+                <a:cs typeface="Times New Roman" panose="02020603050405020304" pitchFamily="18" charset="0"/>
+              </a:rPr>
+              <a:t>의</a:t>
+            </a:r>
+            <a:r>
+              <a:rPr lang="en-US" altLang="ko-KR" dirty="0">
+                <a:latin typeface="Times New Roman" panose="02020603050405020304" pitchFamily="18" charset="0"/>
+                <a:cs typeface="Times New Roman" panose="02020603050405020304" pitchFamily="18" charset="0"/>
+              </a:rPr>
+              <a:t> parameter</a:t>
+            </a:r>
+            <a:r>
+              <a:rPr lang="ko-KR" altLang="en-US" dirty="0">
+                <a:latin typeface="Times New Roman" panose="02020603050405020304" pitchFamily="18" charset="0"/>
+                <a:cs typeface="Times New Roman" panose="02020603050405020304" pitchFamily="18" charset="0"/>
+              </a:rPr>
+              <a:t>를 조절해서 직접적으로 지움</a:t>
+            </a:r>
+            <a:endParaRPr lang="en-US" altLang="ko-KR" dirty="0">
+              <a:latin typeface="Times New Roman" panose="02020603050405020304" pitchFamily="18" charset="0"/>
+              <a:cs typeface="Times New Roman" panose="02020603050405020304" pitchFamily="18" charset="0"/>
+            </a:endParaRPr>
           </a:p>
         </p:txBody>
       </p:sp>
@@ -3983,7 +4198,7 @@
     </p:spTree>
     <p:extLst>
       <p:ext uri="{BB962C8B-B14F-4D97-AF65-F5344CB8AC3E}">
-        <p14:creationId xmlns:p14="http://schemas.microsoft.com/office/powerpoint/2010/main" val="880394299"/>
+        <p14:creationId xmlns:p14="http://schemas.microsoft.com/office/powerpoint/2010/main" val="687902734"/>
       </p:ext>
     </p:extLst>
   </p:cSld>
@@ -4010,52 +4225,12 @@
           <a:chExt cx="0" cy="0"/>
         </a:xfrm>
       </p:grpSpPr>
-      <p:sp>
-        <p:nvSpPr>
-          <p:cNvPr id="16" name="제목 1">
-            <a:extLst>
-              <a:ext uri="{FF2B5EF4-FFF2-40B4-BE49-F238E27FC236}">
-                <a16:creationId xmlns:a16="http://schemas.microsoft.com/office/drawing/2014/main" id="{9B2A7473-9ED0-98AF-4B0C-7429580BB9D8}"/>
-              </a:ext>
-            </a:extLst>
-          </p:cNvPr>
-          <p:cNvSpPr>
-            <a:spLocks noGrp="1"/>
-          </p:cNvSpPr>
-          <p:nvPr>
-            <p:ph type="title"/>
-          </p:nvPr>
-        </p:nvSpPr>
-        <p:spPr>
-          <a:xfrm>
-            <a:off x="838200" y="365125"/>
-            <a:ext cx="10515600" cy="1325563"/>
-          </a:xfrm>
-        </p:spPr>
-        <p:txBody>
-          <a:bodyPr/>
-          <a:lstStyle/>
-          <a:p>
-            <a:r>
-              <a:rPr lang="en-US" altLang="ko-KR" dirty="0">
-                <a:latin typeface="Times New Roman" panose="02020603050405020304" pitchFamily="18" charset="0"/>
-                <a:cs typeface="Times New Roman" panose="02020603050405020304" pitchFamily="18" charset="0"/>
-              </a:rPr>
-              <a:t>Method</a:t>
-            </a:r>
-            <a:endParaRPr lang="ko-KR" altLang="en-US" dirty="0">
-              <a:latin typeface="Times New Roman" panose="02020603050405020304" pitchFamily="18" charset="0"/>
-              <a:cs typeface="Times New Roman" panose="02020603050405020304" pitchFamily="18" charset="0"/>
-            </a:endParaRPr>
-          </a:p>
-        </p:txBody>
-      </p:sp>
       <p:pic>
         <p:nvPicPr>
-          <p:cNvPr id="5" name="그림 4">
-            <a:extLst>
-              <a:ext uri="{FF2B5EF4-FFF2-40B4-BE49-F238E27FC236}">
-                <a16:creationId xmlns:a16="http://schemas.microsoft.com/office/drawing/2014/main" id="{D066A3E3-C8F5-B603-2855-B348530781A7}"/>
+          <p:cNvPr id="4" name="그림 3">
+            <a:extLst>
+              <a:ext uri="{FF2B5EF4-FFF2-40B4-BE49-F238E27FC236}">
+                <a16:creationId xmlns:a16="http://schemas.microsoft.com/office/drawing/2014/main" id="{8A9E1B2E-F8A4-1285-A439-FC6B0610B3A0}"/>
               </a:ext>
             </a:extLst>
           </p:cNvPr>
@@ -4072,946 +4247,148 @@
         </p:blipFill>
         <p:spPr>
           <a:xfrm>
-            <a:off x="1123863" y="1523999"/>
-            <a:ext cx="5049900" cy="4621561"/>
+            <a:off x="3490548" y="3231583"/>
+            <a:ext cx="5430008" cy="628738"/>
           </a:xfrm>
           <a:prstGeom prst="rect">
             <a:avLst/>
           </a:prstGeom>
         </p:spPr>
       </p:pic>
-      <p:sp>
-        <p:nvSpPr>
-          <p:cNvPr id="7" name="TextBox 6">
-            <a:extLst>
-              <a:ext uri="{FF2B5EF4-FFF2-40B4-BE49-F238E27FC236}">
-                <a16:creationId xmlns:a16="http://schemas.microsoft.com/office/drawing/2014/main" id="{9F44B1CF-A55D-2E0E-873F-67C0C6F19085}"/>
-              </a:ext>
-            </a:extLst>
-          </p:cNvPr>
-          <p:cNvSpPr txBox="1"/>
+      <p:pic>
+        <p:nvPicPr>
+          <p:cNvPr id="7" name="그림 6">
+            <a:extLst>
+              <a:ext uri="{FF2B5EF4-FFF2-40B4-BE49-F238E27FC236}">
+                <a16:creationId xmlns:a16="http://schemas.microsoft.com/office/drawing/2014/main" id="{1042208E-B636-7B0D-108D-AC94C29FEC5C}"/>
+              </a:ext>
+            </a:extLst>
+          </p:cNvPr>
+          <p:cNvPicPr>
+            <a:picLocks noChangeAspect="1"/>
+          </p:cNvPicPr>
           <p:nvPr/>
-        </p:nvSpPr>
+        </p:nvPicPr>
+        <p:blipFill>
+          <a:blip r:embed="rId3"/>
+          <a:stretch>
+            <a:fillRect/>
+          </a:stretch>
+        </p:blipFill>
         <p:spPr>
           <a:xfrm>
-            <a:off x="7061062" y="2065064"/>
-            <a:ext cx="4223727" cy="3539430"/>
+            <a:off x="4671812" y="2009994"/>
+            <a:ext cx="2848373" cy="971686"/>
           </a:xfrm>
           <a:prstGeom prst="rect">
             <a:avLst/>
           </a:prstGeom>
-          <a:noFill/>
         </p:spPr>
-        <p:txBody>
-          <a:bodyPr wrap="square">
-            <a:spAutoFit/>
-          </a:bodyPr>
-          <a:lstStyle/>
-          <a:p>
-            <a:pPr marR="0" lvl="0" algn="l" defTabSz="914400" rtl="0" eaLnBrk="0" fontAlgn="base" latinLnBrk="0" hangingPunct="0">
-              <a:lnSpc>
-                <a:spcPct val="100000"/>
-              </a:lnSpc>
-              <a:spcBef>
-                <a:spcPct val="0"/>
-              </a:spcBef>
-              <a:spcAft>
-                <a:spcPct val="0"/>
-              </a:spcAft>
-              <a:buClrTx/>
-              <a:buSzTx/>
-              <a:tabLst/>
-            </a:pPr>
-            <a:r>
-              <a:rPr kumimoji="0" lang="en-US" altLang="ko-KR" sz="1400" b="0" i="0" u="none" strike="noStrike" cap="none" normalizeH="0" baseline="0" dirty="0">
-                <a:ln>
-                  <a:noFill/>
-                </a:ln>
-                <a:solidFill>
-                  <a:schemeClr val="tx1"/>
-                </a:solidFill>
-                <a:effectLst/>
-                <a:latin typeface="Arial" panose="020B0604020202020204" pitchFamily="34" charset="0"/>
+      </p:pic>
+      <p:pic>
+        <p:nvPicPr>
+          <p:cNvPr id="9" name="그림 8">
+            <a:extLst>
+              <a:ext uri="{FF2B5EF4-FFF2-40B4-BE49-F238E27FC236}">
+                <a16:creationId xmlns:a16="http://schemas.microsoft.com/office/drawing/2014/main" id="{7D8922A4-2C5B-860A-7577-DC3CC6A73ACE}"/>
+              </a:ext>
+            </a:extLst>
+          </p:cNvPr>
+          <p:cNvPicPr>
+            <a:picLocks noChangeAspect="1"/>
+          </p:cNvPicPr>
+          <p:nvPr/>
+        </p:nvPicPr>
+        <p:blipFill>
+          <a:blip r:embed="rId4"/>
+          <a:stretch>
+            <a:fillRect/>
+          </a:stretch>
+        </p:blipFill>
+        <p:spPr>
+          <a:xfrm>
+            <a:off x="3271443" y="4165337"/>
+            <a:ext cx="5649113" cy="714475"/>
+          </a:xfrm>
+          <a:prstGeom prst="rect">
+            <a:avLst/>
+          </a:prstGeom>
+        </p:spPr>
+      </p:pic>
+      <p:sp>
+        <p:nvSpPr>
+          <p:cNvPr id="11" name="제목 1">
+            <a:extLst>
+              <a:ext uri="{FF2B5EF4-FFF2-40B4-BE49-F238E27FC236}">
+                <a16:creationId xmlns:a16="http://schemas.microsoft.com/office/drawing/2014/main" id="{3C69FAFF-0C2F-2FCD-D1DB-43CF587484B5}"/>
+              </a:ext>
+            </a:extLst>
+          </p:cNvPr>
+          <p:cNvSpPr>
+            <a:spLocks noGrp="1"/>
+          </p:cNvSpPr>
+          <p:nvPr>
+            <p:ph type="title"/>
+          </p:nvPr>
+        </p:nvSpPr>
+        <p:spPr>
+          <a:xfrm>
+            <a:off x="838200" y="365125"/>
+            <a:ext cx="10515600" cy="1325563"/>
+          </a:xfrm>
+        </p:spPr>
+        <p:txBody>
+          <a:bodyPr/>
+          <a:lstStyle/>
+          <a:p>
+            <a:r>
+              <a:rPr lang="en-US" altLang="ko-KR" dirty="0">
+                <a:latin typeface="Times New Roman" panose="02020603050405020304" pitchFamily="18" charset="0"/>
+                <a:cs typeface="Times New Roman" panose="02020603050405020304" pitchFamily="18" charset="0"/>
               </a:rPr>
-              <a:t>1. </a:t>
-            </a:r>
-            <a:r>
-              <a:rPr kumimoji="0" lang="ko-KR" altLang="ko-KR" sz="1400" b="0" i="0" u="none" strike="noStrike" cap="none" normalizeH="0" baseline="0" dirty="0" err="1">
-                <a:ln>
-                  <a:noFill/>
-                </a:ln>
-                <a:solidFill>
-                  <a:schemeClr val="tx1"/>
-                </a:solidFill>
-                <a:effectLst/>
-                <a:latin typeface="Arial" panose="020B0604020202020204" pitchFamily="34" charset="0"/>
-              </a:rPr>
-              <a:t>t를</a:t>
-            </a:r>
-            <a:r>
-              <a:rPr kumimoji="0" lang="ko-KR" altLang="ko-KR" sz="1400" b="0" i="0" u="none" strike="noStrike" cap="none" normalizeH="0" baseline="0" dirty="0">
-                <a:ln>
-                  <a:noFill/>
-                </a:ln>
-                <a:solidFill>
-                  <a:schemeClr val="tx1"/>
-                </a:solidFill>
-                <a:effectLst/>
-                <a:latin typeface="Arial" panose="020B0604020202020204" pitchFamily="34" charset="0"/>
-              </a:rPr>
-              <a:t> 확산 단계 [1,...,</a:t>
-            </a:r>
-            <a:r>
-              <a:rPr kumimoji="0" lang="ko-KR" altLang="ko-KR" sz="1400" b="0" i="0" u="none" strike="noStrike" cap="none" normalizeH="0" baseline="0" dirty="0" err="1">
-                <a:ln>
-                  <a:noFill/>
-                </a:ln>
-                <a:solidFill>
-                  <a:schemeClr val="tx1"/>
-                </a:solidFill>
-                <a:effectLst/>
-                <a:latin typeface="Arial" panose="020B0604020202020204" pitchFamily="34" charset="0"/>
-              </a:rPr>
-              <a:t>T</a:t>
-            </a:r>
-            <a:r>
-              <a:rPr kumimoji="0" lang="ko-KR" altLang="ko-KR" sz="1400" b="0" i="0" u="none" strike="noStrike" cap="none" normalizeH="0" baseline="0" dirty="0">
-                <a:ln>
-                  <a:noFill/>
-                </a:ln>
-                <a:solidFill>
-                  <a:schemeClr val="tx1"/>
-                </a:solidFill>
-                <a:effectLst/>
-                <a:latin typeface="Arial" panose="020B0604020202020204" pitchFamily="34" charset="0"/>
-              </a:rPr>
-              <a:t>]에서 균등하게 샘플링하고, ϵ을 표준 정규분포에서 샘플링</a:t>
-            </a:r>
-            <a:endParaRPr kumimoji="0" lang="en-US" altLang="ko-KR" sz="1400" b="0" i="0" u="none" strike="noStrike" cap="none" normalizeH="0" baseline="0" dirty="0">
-              <a:ln>
-                <a:noFill/>
-              </a:ln>
-              <a:solidFill>
-                <a:schemeClr val="tx1"/>
-              </a:solidFill>
-              <a:effectLst/>
-              <a:latin typeface="Arial" panose="020B0604020202020204" pitchFamily="34" charset="0"/>
+              <a:t>Method</a:t>
+            </a:r>
+            <a:endParaRPr lang="ko-KR" altLang="en-US" dirty="0">
+              <a:latin typeface="Times New Roman" panose="02020603050405020304" pitchFamily="18" charset="0"/>
+              <a:cs typeface="Times New Roman" panose="02020603050405020304" pitchFamily="18" charset="0"/>
             </a:endParaRPr>
           </a:p>
-          <a:p>
-            <a:pPr marR="0" lvl="0" algn="l" defTabSz="914400" rtl="0" eaLnBrk="0" fontAlgn="base" latinLnBrk="0" hangingPunct="0">
-              <a:lnSpc>
-                <a:spcPct val="100000"/>
-              </a:lnSpc>
-              <a:spcBef>
-                <a:spcPct val="0"/>
-              </a:spcBef>
-              <a:spcAft>
-                <a:spcPct val="0"/>
-              </a:spcAft>
-              <a:buClrTx/>
-              <a:buSzTx/>
-              <a:tabLst/>
-            </a:pPr>
-            <a:endParaRPr kumimoji="0" lang="ko-KR" altLang="ko-KR" sz="1400" b="0" i="0" u="none" strike="noStrike" cap="none" normalizeH="0" baseline="0" dirty="0">
-              <a:ln>
-                <a:noFill/>
-              </a:ln>
-              <a:solidFill>
-                <a:schemeClr val="tx1"/>
-              </a:solidFill>
-              <a:effectLst/>
-              <a:latin typeface="Arial" panose="020B0604020202020204" pitchFamily="34" charset="0"/>
-            </a:endParaRPr>
-          </a:p>
-          <a:p>
-            <a:pPr marL="0" marR="0" lvl="0" indent="0" algn="l" defTabSz="914400" rtl="0" eaLnBrk="0" fontAlgn="base" latinLnBrk="0" hangingPunct="0">
-              <a:lnSpc>
-                <a:spcPct val="100000"/>
-              </a:lnSpc>
-              <a:spcBef>
-                <a:spcPct val="0"/>
-              </a:spcBef>
-              <a:spcAft>
-                <a:spcPct val="0"/>
-              </a:spcAft>
-              <a:buClrTx/>
-              <a:buSzTx/>
-              <a:tabLst/>
-            </a:pPr>
-            <a:r>
-              <a:rPr kumimoji="0" lang="en-US" altLang="ko-KR" sz="1400" b="0" i="0" u="none" strike="noStrike" cap="none" normalizeH="0" baseline="0" dirty="0">
-                <a:ln>
-                  <a:noFill/>
-                </a:ln>
-                <a:solidFill>
-                  <a:schemeClr val="tx1"/>
-                </a:solidFill>
-                <a:effectLst/>
-                <a:latin typeface="Arial" panose="020B0604020202020204" pitchFamily="34" charset="0"/>
-              </a:rPr>
-              <a:t>2. </a:t>
-            </a:r>
-            <a:r>
-              <a:rPr kumimoji="0" lang="ko-KR" altLang="ko-KR" sz="1400" b="0" i="0" u="none" strike="noStrike" cap="none" normalizeH="0" baseline="0" dirty="0">
-                <a:ln>
-                  <a:noFill/>
-                </a:ln>
-                <a:solidFill>
-                  <a:schemeClr val="tx1"/>
-                </a:solidFill>
-                <a:effectLst/>
-                <a:latin typeface="Arial" panose="020B0604020202020204" pitchFamily="34" charset="0"/>
-              </a:rPr>
-              <a:t>참조 이미지 </a:t>
-            </a:r>
-            <a:r>
-              <a:rPr kumimoji="0" lang="ko-KR" altLang="ko-KR" sz="1400" b="0" i="0" u="none" strike="noStrike" cap="none" normalizeH="0" baseline="0" dirty="0" err="1">
-                <a:ln>
-                  <a:noFill/>
-                </a:ln>
-                <a:solidFill>
-                  <a:schemeClr val="tx1"/>
-                </a:solidFill>
-                <a:effectLst/>
-                <a:latin typeface="Arial" panose="020B0604020202020204" pitchFamily="34" charset="0"/>
-              </a:rPr>
-              <a:t>ri와</a:t>
-            </a:r>
-            <a:r>
-              <a:rPr kumimoji="0" lang="ko-KR" altLang="ko-KR" sz="1400" b="0" i="0" u="none" strike="noStrike" cap="none" normalizeH="0" baseline="0" dirty="0">
-                <a:ln>
-                  <a:noFill/>
-                </a:ln>
-                <a:solidFill>
-                  <a:schemeClr val="tx1"/>
-                </a:solidFill>
-                <a:effectLst/>
-                <a:latin typeface="Arial" panose="020B0604020202020204" pitchFamily="34" charset="0"/>
-              </a:rPr>
-              <a:t> 타겟 개념을 포함하는 컨텍스트 </a:t>
-            </a:r>
-            <a:r>
-              <a:rPr kumimoji="0" lang="ko-KR" altLang="ko-KR" sz="1400" b="0" i="0" u="none" strike="noStrike" cap="none" normalizeH="0" baseline="0" dirty="0" err="1">
-                <a:ln>
-                  <a:noFill/>
-                </a:ln>
-                <a:solidFill>
-                  <a:schemeClr val="tx1"/>
-                </a:solidFill>
-                <a:effectLst/>
-                <a:latin typeface="Arial" panose="020B0604020202020204" pitchFamily="34" charset="0"/>
-              </a:rPr>
-              <a:t>임베딩</a:t>
-            </a:r>
-            <a:r>
-              <a:rPr kumimoji="0" lang="ko-KR" altLang="ko-KR" sz="1400" b="0" i="0" u="none" strike="noStrike" cap="none" normalizeH="0" baseline="0" dirty="0">
-                <a:ln>
-                  <a:noFill/>
-                </a:ln>
-                <a:solidFill>
-                  <a:schemeClr val="tx1"/>
-                </a:solidFill>
-                <a:effectLst/>
-                <a:latin typeface="Arial" panose="020B0604020202020204" pitchFamily="34" charset="0"/>
-              </a:rPr>
-              <a:t> </a:t>
-            </a:r>
-            <a:r>
-              <a:rPr kumimoji="0" lang="ko-KR" altLang="ko-KR" sz="1400" b="0" i="0" u="none" strike="noStrike" cap="none" normalizeH="0" baseline="0" dirty="0" err="1">
-                <a:ln>
-                  <a:noFill/>
-                </a:ln>
-                <a:solidFill>
-                  <a:schemeClr val="tx1"/>
-                </a:solidFill>
-                <a:effectLst/>
-                <a:latin typeface="Arial" panose="020B0604020202020204" pitchFamily="34" charset="0"/>
-              </a:rPr>
-              <a:t>cj및</a:t>
-            </a:r>
-            <a:r>
-              <a:rPr kumimoji="0" lang="ko-KR" altLang="ko-KR" sz="1400" b="0" i="0" u="none" strike="noStrike" cap="none" normalizeH="0" baseline="0" dirty="0">
-                <a:ln>
-                  <a:noFill/>
-                </a:ln>
-                <a:solidFill>
-                  <a:schemeClr val="tx1"/>
-                </a:solidFill>
-                <a:effectLst/>
-                <a:latin typeface="Arial" panose="020B0604020202020204" pitchFamily="34" charset="0"/>
-              </a:rPr>
-              <a:t> 위치 </a:t>
-            </a:r>
-            <a:r>
-              <a:rPr kumimoji="0" lang="ko-KR" altLang="ko-KR" sz="1400" b="0" i="0" u="none" strike="noStrike" cap="none" normalizeH="0" baseline="0" dirty="0" err="1">
-                <a:ln>
-                  <a:noFill/>
-                </a:ln>
-                <a:solidFill>
-                  <a:schemeClr val="tx1"/>
-                </a:solidFill>
-                <a:effectLst/>
-                <a:latin typeface="Arial" panose="020B0604020202020204" pitchFamily="34" charset="0"/>
-              </a:rPr>
-              <a:t>nj</a:t>
-            </a:r>
-            <a:r>
-              <a:rPr kumimoji="0" lang="ko-KR" altLang="ko-KR" sz="1400" b="0" i="0" u="none" strike="noStrike" cap="none" normalizeH="0" baseline="0" dirty="0">
-                <a:ln>
-                  <a:noFill/>
-                </a:ln>
-                <a:solidFill>
-                  <a:schemeClr val="tx1"/>
-                </a:solidFill>
-                <a:effectLst/>
-                <a:latin typeface="Arial" panose="020B0604020202020204" pitchFamily="34" charset="0"/>
-              </a:rPr>
-              <a:t>​를 샘플링</a:t>
-            </a:r>
-            <a:endParaRPr kumimoji="0" lang="en-US" altLang="ko-KR" sz="1400" b="0" i="0" u="none" strike="noStrike" cap="none" normalizeH="0" baseline="0" dirty="0">
-              <a:ln>
-                <a:noFill/>
-              </a:ln>
-              <a:solidFill>
-                <a:schemeClr val="tx1"/>
-              </a:solidFill>
-              <a:effectLst/>
-              <a:latin typeface="Arial" panose="020B0604020202020204" pitchFamily="34" charset="0"/>
-            </a:endParaRPr>
-          </a:p>
-          <a:p>
-            <a:pPr marL="0" marR="0" lvl="0" indent="0" algn="l" defTabSz="914400" rtl="0" eaLnBrk="0" fontAlgn="base" latinLnBrk="0" hangingPunct="0">
-              <a:lnSpc>
-                <a:spcPct val="100000"/>
-              </a:lnSpc>
-              <a:spcBef>
-                <a:spcPct val="0"/>
-              </a:spcBef>
-              <a:spcAft>
-                <a:spcPct val="0"/>
-              </a:spcAft>
-              <a:buClrTx/>
-              <a:buSzTx/>
-              <a:tabLst/>
-            </a:pPr>
-            <a:endParaRPr kumimoji="0" lang="ko-KR" altLang="ko-KR" sz="1400" b="0" i="0" u="none" strike="noStrike" cap="none" normalizeH="0" baseline="0" dirty="0">
-              <a:ln>
-                <a:noFill/>
-              </a:ln>
-              <a:solidFill>
-                <a:schemeClr val="tx1"/>
-              </a:solidFill>
-              <a:effectLst/>
-              <a:latin typeface="Arial" panose="020B0604020202020204" pitchFamily="34" charset="0"/>
-            </a:endParaRPr>
-          </a:p>
-          <a:p>
-            <a:pPr marL="0" marR="0" lvl="0" indent="0" algn="l" defTabSz="914400" rtl="0" eaLnBrk="0" fontAlgn="base" latinLnBrk="0" hangingPunct="0">
-              <a:lnSpc>
-                <a:spcPct val="100000"/>
-              </a:lnSpc>
-              <a:spcBef>
-                <a:spcPct val="0"/>
-              </a:spcBef>
-              <a:spcAft>
-                <a:spcPct val="0"/>
-              </a:spcAft>
-              <a:buClrTx/>
-              <a:buSzTx/>
-              <a:tabLst/>
-            </a:pPr>
-            <a:r>
-              <a:rPr lang="en-US" altLang="ko-KR" sz="1400" dirty="0">
-                <a:latin typeface="Arial" panose="020B0604020202020204" pitchFamily="34" charset="0"/>
-              </a:rPr>
-              <a:t>3. </a:t>
-            </a:r>
-            <a:r>
-              <a:rPr kumimoji="0" lang="ko-KR" altLang="ko-KR" sz="1400" b="0" i="0" u="none" strike="noStrike" cap="none" normalizeH="0" baseline="0" dirty="0">
-                <a:ln>
-                  <a:noFill/>
-                </a:ln>
-                <a:solidFill>
-                  <a:schemeClr val="tx1"/>
-                </a:solidFill>
-                <a:effectLst/>
-                <a:latin typeface="Arial" panose="020B0604020202020204" pitchFamily="34" charset="0"/>
-              </a:rPr>
-              <a:t>x0를 참조 이미지로 설정</a:t>
-            </a:r>
-            <a:endParaRPr kumimoji="0" lang="en-US" altLang="ko-KR" sz="1400" b="0" i="0" u="none" strike="noStrike" cap="none" normalizeH="0" baseline="0" dirty="0">
-              <a:ln>
-                <a:noFill/>
-              </a:ln>
-              <a:solidFill>
-                <a:schemeClr val="tx1"/>
-              </a:solidFill>
-              <a:effectLst/>
-              <a:latin typeface="Arial" panose="020B0604020202020204" pitchFamily="34" charset="0"/>
-            </a:endParaRPr>
-          </a:p>
-          <a:p>
-            <a:pPr marL="0" marR="0" lvl="0" indent="0" algn="l" defTabSz="914400" rtl="0" eaLnBrk="0" fontAlgn="base" latinLnBrk="0" hangingPunct="0">
-              <a:lnSpc>
-                <a:spcPct val="100000"/>
-              </a:lnSpc>
-              <a:spcBef>
-                <a:spcPct val="0"/>
-              </a:spcBef>
-              <a:spcAft>
-                <a:spcPct val="0"/>
-              </a:spcAft>
-              <a:buClrTx/>
-              <a:buSzTx/>
-              <a:tabLst/>
-            </a:pPr>
-            <a:endParaRPr kumimoji="0" lang="en-US" altLang="ko-KR" sz="1400" b="0" i="0" u="none" strike="noStrike" cap="none" normalizeH="0" baseline="0" dirty="0">
-              <a:ln>
-                <a:noFill/>
-              </a:ln>
-              <a:solidFill>
-                <a:schemeClr val="tx1"/>
-              </a:solidFill>
-              <a:effectLst/>
-              <a:latin typeface="Arial" panose="020B0604020202020204" pitchFamily="34" charset="0"/>
-            </a:endParaRPr>
-          </a:p>
-          <a:p>
-            <a:pPr marL="0" marR="0" lvl="0" indent="0" algn="l" defTabSz="914400" rtl="0" eaLnBrk="0" fontAlgn="base" latinLnBrk="0" hangingPunct="0">
-              <a:lnSpc>
-                <a:spcPct val="100000"/>
-              </a:lnSpc>
-              <a:spcBef>
-                <a:spcPct val="0"/>
-              </a:spcBef>
-              <a:spcAft>
-                <a:spcPct val="0"/>
-              </a:spcAft>
-              <a:buClrTx/>
-              <a:buSzTx/>
-              <a:tabLst/>
-            </a:pPr>
-            <a:r>
-              <a:rPr lang="en-US" altLang="ko-KR" sz="1400" dirty="0">
-                <a:latin typeface="Arial" panose="020B0604020202020204" pitchFamily="34" charset="0"/>
-              </a:rPr>
-              <a:t>4. </a:t>
-            </a:r>
-            <a:r>
-              <a:rPr lang="en-US" altLang="ko-KR" sz="1400" dirty="0" err="1">
-                <a:latin typeface="Arial" panose="020B0604020202020204" pitchFamily="34" charset="0"/>
-              </a:rPr>
-              <a:t>x</a:t>
-            </a:r>
-            <a:r>
-              <a:rPr kumimoji="0" lang="en-US" altLang="ko-KR" sz="1400" b="0" i="0" u="none" strike="noStrike" cap="none" normalizeH="0" baseline="0" dirty="0" err="1">
-                <a:ln>
-                  <a:noFill/>
-                </a:ln>
-                <a:solidFill>
-                  <a:schemeClr val="tx1"/>
-                </a:solidFill>
-                <a:effectLst/>
-                <a:latin typeface="Arial" panose="020B0604020202020204" pitchFamily="34" charset="0"/>
-              </a:rPr>
-              <a:t>t</a:t>
-            </a:r>
-            <a:r>
-              <a:rPr kumimoji="0" lang="en-US" altLang="ko-KR" sz="1400" b="0" i="0" u="none" strike="noStrike" cap="none" normalizeH="0" baseline="0" dirty="0">
-                <a:ln>
-                  <a:noFill/>
-                </a:ln>
-                <a:solidFill>
-                  <a:schemeClr val="tx1"/>
-                </a:solidFill>
-                <a:effectLst/>
-                <a:latin typeface="Arial" panose="020B0604020202020204" pitchFamily="34" charset="0"/>
-              </a:rPr>
-              <a:t> </a:t>
-            </a:r>
-            <a:r>
-              <a:rPr lang="ko-KR" altLang="en-US" sz="1400" dirty="0">
-                <a:latin typeface="Arial" panose="020B0604020202020204" pitchFamily="34" charset="0"/>
-              </a:rPr>
-              <a:t>설정</a:t>
-            </a:r>
-            <a:endParaRPr kumimoji="0" lang="en-US" altLang="ko-KR" sz="1400" b="0" i="0" u="none" strike="noStrike" cap="none" normalizeH="0" baseline="0" dirty="0">
-              <a:ln>
-                <a:noFill/>
-              </a:ln>
-              <a:solidFill>
-                <a:schemeClr val="tx1"/>
-              </a:solidFill>
-              <a:effectLst/>
-              <a:latin typeface="Arial" panose="020B0604020202020204" pitchFamily="34" charset="0"/>
-            </a:endParaRPr>
-          </a:p>
-          <a:p>
-            <a:pPr marL="0" marR="0" lvl="0" indent="0" algn="l" defTabSz="914400" rtl="0" eaLnBrk="0" fontAlgn="base" latinLnBrk="0" hangingPunct="0">
-              <a:lnSpc>
-                <a:spcPct val="100000"/>
-              </a:lnSpc>
-              <a:spcBef>
-                <a:spcPct val="0"/>
-              </a:spcBef>
-              <a:spcAft>
-                <a:spcPct val="0"/>
-              </a:spcAft>
-              <a:buClrTx/>
-              <a:buSzTx/>
-              <a:tabLst/>
-            </a:pPr>
-            <a:endParaRPr kumimoji="0" lang="ko-KR" altLang="ko-KR" sz="1400" b="0" i="0" u="none" strike="noStrike" cap="none" normalizeH="0" baseline="0" dirty="0">
-              <a:ln>
-                <a:noFill/>
-              </a:ln>
-              <a:solidFill>
-                <a:schemeClr val="tx1"/>
-              </a:solidFill>
-              <a:effectLst/>
-              <a:latin typeface="Arial" panose="020B0604020202020204" pitchFamily="34" charset="0"/>
-            </a:endParaRPr>
-          </a:p>
-          <a:p>
-            <a:pPr marL="0" marR="0" lvl="0" indent="0" algn="l" defTabSz="914400" rtl="0" eaLnBrk="0" fontAlgn="base" latinLnBrk="0" hangingPunct="0">
-              <a:lnSpc>
-                <a:spcPct val="100000"/>
-              </a:lnSpc>
-              <a:spcBef>
-                <a:spcPct val="0"/>
-              </a:spcBef>
-              <a:spcAft>
-                <a:spcPct val="0"/>
-              </a:spcAft>
-              <a:buClrTx/>
-              <a:buSzTx/>
-              <a:tabLst/>
-            </a:pPr>
-            <a:r>
-              <a:rPr kumimoji="0" lang="en-US" altLang="ko-KR" sz="1400" b="0" i="0" u="none" strike="noStrike" cap="none" normalizeH="0" baseline="0" dirty="0">
-                <a:ln>
-                  <a:noFill/>
-                </a:ln>
-                <a:solidFill>
-                  <a:schemeClr val="tx1"/>
-                </a:solidFill>
-                <a:effectLst/>
-                <a:latin typeface="Arial" panose="020B0604020202020204" pitchFamily="34" charset="0"/>
-              </a:rPr>
-              <a:t>5. </a:t>
-            </a:r>
-            <a:r>
-              <a:rPr kumimoji="0" lang="ko-KR" altLang="ko-KR" sz="1400" b="0" i="0" u="none" strike="noStrike" cap="none" normalizeH="0" baseline="0" dirty="0">
-                <a:ln>
-                  <a:noFill/>
-                </a:ln>
-                <a:solidFill>
-                  <a:schemeClr val="tx1"/>
-                </a:solidFill>
-                <a:effectLst/>
-                <a:latin typeface="Arial" panose="020B0604020202020204" pitchFamily="34" charset="0"/>
-              </a:rPr>
-              <a:t>모델 </a:t>
-            </a:r>
-            <a:r>
-              <a:rPr kumimoji="0" lang="ko-KR" altLang="ko-KR" sz="1400" b="0" i="0" u="none" strike="noStrike" cap="none" normalizeH="0" baseline="0" dirty="0" err="1">
-                <a:ln>
-                  <a:noFill/>
-                </a:ln>
-                <a:solidFill>
-                  <a:schemeClr val="tx1"/>
-                </a:solidFill>
-                <a:effectLst/>
-                <a:latin typeface="Arial" panose="020B0604020202020204" pitchFamily="34" charset="0"/>
-              </a:rPr>
-              <a:t>Gθ</a:t>
-            </a:r>
-            <a:r>
-              <a:rPr kumimoji="0" lang="ko-KR" altLang="en-US" sz="1400" b="0" i="0" u="none" strike="noStrike" cap="none" normalizeH="0" baseline="0" dirty="0" err="1">
-                <a:ln>
-                  <a:noFill/>
-                </a:ln>
-                <a:solidFill>
-                  <a:schemeClr val="tx1"/>
-                </a:solidFill>
-                <a:effectLst/>
-                <a:latin typeface="Arial" panose="020B0604020202020204" pitchFamily="34" charset="0"/>
-              </a:rPr>
-              <a:t>에서</a:t>
-            </a:r>
-            <a:r>
-              <a:rPr kumimoji="0" lang="ko-KR" altLang="en-US" sz="1400" b="0" i="0" u="none" strike="noStrike" cap="none" normalizeH="0" baseline="0" dirty="0">
-                <a:ln>
-                  <a:noFill/>
-                </a:ln>
-                <a:solidFill>
-                  <a:schemeClr val="tx1"/>
-                </a:solidFill>
-                <a:effectLst/>
-                <a:latin typeface="Arial" panose="020B0604020202020204" pitchFamily="34" charset="0"/>
-              </a:rPr>
-              <a:t> </a:t>
-            </a:r>
-            <a:r>
-              <a:rPr kumimoji="0" lang="en-US" altLang="ko-KR" sz="1400" b="0" i="0" u="none" strike="noStrike" cap="none" normalizeH="0" baseline="0" dirty="0">
-                <a:ln>
-                  <a:noFill/>
-                </a:ln>
-                <a:solidFill>
-                  <a:schemeClr val="tx1"/>
-                </a:solidFill>
-                <a:effectLst/>
-                <a:latin typeface="Arial" panose="020B0604020202020204" pitchFamily="34" charset="0"/>
-              </a:rPr>
-              <a:t>all attention maps </a:t>
-            </a:r>
-            <a:r>
-              <a:rPr kumimoji="0" lang="ko-KR" altLang="ko-KR" sz="1400" b="0" i="0" u="none" strike="noStrike" cap="none" normalizeH="0" baseline="0" dirty="0" err="1">
-                <a:ln>
-                  <a:noFill/>
-                </a:ln>
-                <a:solidFill>
-                  <a:schemeClr val="tx1"/>
-                </a:solidFill>
-                <a:effectLst/>
-                <a:latin typeface="Arial" panose="020B0604020202020204" pitchFamily="34" charset="0"/>
-              </a:rPr>
-              <a:t>At</a:t>
-            </a:r>
-            <a:r>
-              <a:rPr kumimoji="0" lang="ko-KR" altLang="ko-KR" sz="1400" b="0" i="0" u="none" strike="noStrike" cap="none" normalizeH="0" baseline="0" dirty="0">
-                <a:ln>
-                  <a:noFill/>
-                </a:ln>
-                <a:solidFill>
-                  <a:schemeClr val="tx1"/>
-                </a:solidFill>
-                <a:effectLst/>
-                <a:latin typeface="Arial" panose="020B0604020202020204" pitchFamily="34" charset="0"/>
-              </a:rPr>
-              <a:t> </a:t>
-            </a:r>
-            <a:r>
-              <a:rPr lang="ko-KR" altLang="en-US" sz="1400" dirty="0">
-                <a:latin typeface="Arial" panose="020B0604020202020204" pitchFamily="34" charset="0"/>
-              </a:rPr>
-              <a:t>획득</a:t>
-            </a:r>
-            <a:endParaRPr lang="en-US" altLang="ko-KR" sz="1400" dirty="0">
-              <a:latin typeface="Arial" panose="020B0604020202020204" pitchFamily="34" charset="0"/>
-            </a:endParaRPr>
-          </a:p>
-          <a:p>
-            <a:pPr marL="0" marR="0" lvl="0" indent="0" algn="l" defTabSz="914400" rtl="0" eaLnBrk="0" fontAlgn="base" latinLnBrk="0" hangingPunct="0">
-              <a:lnSpc>
-                <a:spcPct val="100000"/>
-              </a:lnSpc>
-              <a:spcBef>
-                <a:spcPct val="0"/>
-              </a:spcBef>
-              <a:spcAft>
-                <a:spcPct val="0"/>
-              </a:spcAft>
-              <a:buClrTx/>
-              <a:buSzTx/>
-              <a:tabLst/>
-            </a:pPr>
-            <a:endParaRPr kumimoji="0" lang="ko-KR" altLang="ko-KR" sz="1400" b="0" i="0" u="none" strike="noStrike" cap="none" normalizeH="0" baseline="0" dirty="0">
-              <a:ln>
-                <a:noFill/>
-              </a:ln>
-              <a:solidFill>
-                <a:schemeClr val="tx1"/>
-              </a:solidFill>
-              <a:effectLst/>
-              <a:latin typeface="Arial" panose="020B0604020202020204" pitchFamily="34" charset="0"/>
-            </a:endParaRPr>
-          </a:p>
-          <a:p>
-            <a:pPr marL="0" marR="0" lvl="0" indent="0" algn="l" defTabSz="914400" rtl="0" eaLnBrk="0" fontAlgn="base" latinLnBrk="0" hangingPunct="0">
-              <a:lnSpc>
-                <a:spcPct val="100000"/>
-              </a:lnSpc>
-              <a:spcBef>
-                <a:spcPct val="0"/>
-              </a:spcBef>
-              <a:spcAft>
-                <a:spcPct val="0"/>
-              </a:spcAft>
-              <a:buClrTx/>
-              <a:buSzTx/>
-              <a:tabLst/>
-            </a:pPr>
-            <a:r>
-              <a:rPr kumimoji="0" lang="en-US" altLang="ko-KR" sz="1400" b="0" i="0" u="none" strike="noStrike" cap="none" normalizeH="0" baseline="0" dirty="0">
-                <a:ln>
-                  <a:noFill/>
-                </a:ln>
-                <a:solidFill>
-                  <a:schemeClr val="tx1"/>
-                </a:solidFill>
-                <a:effectLst/>
-                <a:latin typeface="Arial" panose="020B0604020202020204" pitchFamily="34" charset="0"/>
-              </a:rPr>
-              <a:t>6. At </a:t>
-            </a:r>
-            <a:r>
-              <a:rPr kumimoji="0" lang="ko-KR" altLang="en-US" sz="1400" b="0" i="0" u="none" strike="noStrike" cap="none" normalizeH="0" baseline="0" dirty="0">
-                <a:ln>
-                  <a:noFill/>
-                </a:ln>
-                <a:solidFill>
-                  <a:schemeClr val="tx1"/>
-                </a:solidFill>
-                <a:effectLst/>
-                <a:latin typeface="Arial" panose="020B0604020202020204" pitchFamily="34" charset="0"/>
-              </a:rPr>
-              <a:t>하위집합 </a:t>
-            </a:r>
-            <a:r>
-              <a:rPr kumimoji="0" lang="en-US" altLang="ko-KR" sz="1400" b="0" i="0" u="none" strike="noStrike" cap="none" normalizeH="0" baseline="0" dirty="0">
-                <a:ln>
-                  <a:noFill/>
-                </a:ln>
-                <a:solidFill>
-                  <a:schemeClr val="tx1"/>
-                </a:solidFill>
-                <a:effectLst/>
-                <a:latin typeface="Arial" panose="020B0604020202020204" pitchFamily="34" charset="0"/>
-              </a:rPr>
-              <a:t>at</a:t>
-            </a:r>
-            <a:r>
-              <a:rPr kumimoji="0" lang="ko-KR" altLang="en-US" sz="1400" b="0" i="0" u="none" strike="noStrike" cap="none" normalizeH="0" baseline="0" dirty="0">
-                <a:ln>
-                  <a:noFill/>
-                </a:ln>
-                <a:solidFill>
-                  <a:schemeClr val="tx1"/>
-                </a:solidFill>
-                <a:effectLst/>
-                <a:latin typeface="Arial" panose="020B0604020202020204" pitchFamily="34" charset="0"/>
-              </a:rPr>
-              <a:t>에 대해 </a:t>
-            </a:r>
-            <a:r>
-              <a:rPr kumimoji="0" lang="en-US" altLang="ko-KR" sz="1400" b="0" i="0" u="none" strike="noStrike" cap="none" normalizeH="0" baseline="0" dirty="0">
-                <a:ln>
-                  <a:noFill/>
-                </a:ln>
-                <a:solidFill>
-                  <a:schemeClr val="tx1"/>
-                </a:solidFill>
-                <a:effectLst/>
-                <a:latin typeface="Arial" panose="020B0604020202020204" pitchFamily="34" charset="0"/>
-              </a:rPr>
-              <a:t>a[</a:t>
-            </a:r>
-            <a:r>
-              <a:rPr kumimoji="0" lang="en-US" altLang="ko-KR" sz="1400" b="0" i="0" u="none" strike="noStrike" cap="none" normalizeH="0" baseline="0" dirty="0" err="1">
-                <a:ln>
-                  <a:noFill/>
-                </a:ln>
-                <a:solidFill>
-                  <a:schemeClr val="tx1"/>
-                </a:solidFill>
-                <a:effectLst/>
-                <a:latin typeface="Arial" panose="020B0604020202020204" pitchFamily="34" charset="0"/>
-              </a:rPr>
-              <a:t>nj</a:t>
-            </a:r>
-            <a:r>
-              <a:rPr kumimoji="0" lang="en-US" altLang="ko-KR" sz="1400" b="0" i="0" u="none" strike="noStrike" cap="none" normalizeH="0" baseline="0" dirty="0">
-                <a:ln>
-                  <a:noFill/>
-                </a:ln>
-                <a:solidFill>
-                  <a:schemeClr val="tx1"/>
-                </a:solidFill>
-                <a:effectLst/>
-                <a:latin typeface="Arial" panose="020B0604020202020204" pitchFamily="34" charset="0"/>
-              </a:rPr>
-              <a:t>​]t ​</a:t>
-            </a:r>
-            <a:r>
-              <a:rPr lang="en-US" altLang="ko-KR" sz="1400" dirty="0">
-                <a:latin typeface="Arial" panose="020B0604020202020204" pitchFamily="34" charset="0"/>
-              </a:rPr>
-              <a:t>(</a:t>
-            </a:r>
-            <a:r>
-              <a:rPr kumimoji="0" lang="en-US" altLang="ko-KR" sz="1400" b="0" i="0" u="none" strike="noStrike" cap="none" normalizeH="0" baseline="0" dirty="0" err="1">
-                <a:ln>
-                  <a:noFill/>
-                </a:ln>
-                <a:solidFill>
-                  <a:schemeClr val="tx1"/>
-                </a:solidFill>
-                <a:effectLst/>
-                <a:latin typeface="Arial" panose="020B0604020202020204" pitchFamily="34" charset="0"/>
-              </a:rPr>
-              <a:t>nj</a:t>
-            </a:r>
-            <a:r>
-              <a:rPr kumimoji="0" lang="en-US" altLang="ko-KR" sz="1400" b="0" i="0" u="none" strike="noStrike" cap="none" normalizeH="0" baseline="0" dirty="0">
-                <a:ln>
-                  <a:noFill/>
-                </a:ln>
-                <a:solidFill>
-                  <a:schemeClr val="tx1"/>
-                </a:solidFill>
-                <a:effectLst/>
-                <a:latin typeface="Arial" panose="020B0604020202020204" pitchFamily="34" charset="0"/>
-              </a:rPr>
-              <a:t>​</a:t>
-            </a:r>
-            <a:r>
-              <a:rPr kumimoji="0" lang="ko-KR" altLang="en-US" sz="1400" b="0" i="0" u="none" strike="noStrike" cap="none" normalizeH="0" baseline="0" dirty="0">
-                <a:ln>
-                  <a:noFill/>
-                </a:ln>
-                <a:solidFill>
-                  <a:schemeClr val="tx1"/>
-                </a:solidFill>
-                <a:effectLst/>
-                <a:latin typeface="Arial" panose="020B0604020202020204" pitchFamily="34" charset="0"/>
-              </a:rPr>
-              <a:t>에서의 </a:t>
-            </a:r>
-            <a:r>
-              <a:rPr kumimoji="0" lang="ko-KR" altLang="en-US" sz="1400" b="0" i="0" u="none" strike="noStrike" cap="none" normalizeH="0" baseline="0" dirty="0" err="1">
-                <a:ln>
-                  <a:noFill/>
-                </a:ln>
-                <a:solidFill>
-                  <a:schemeClr val="tx1"/>
-                </a:solidFill>
-                <a:effectLst/>
-                <a:latin typeface="Arial" panose="020B0604020202020204" pitchFamily="34" charset="0"/>
-              </a:rPr>
-              <a:t>어텐션</a:t>
-            </a:r>
-            <a:r>
-              <a:rPr kumimoji="0" lang="ko-KR" altLang="en-US" sz="1400" b="0" i="0" u="none" strike="noStrike" cap="none" normalizeH="0" baseline="0" dirty="0">
-                <a:ln>
-                  <a:noFill/>
-                </a:ln>
-                <a:solidFill>
-                  <a:schemeClr val="tx1"/>
-                </a:solidFill>
-                <a:effectLst/>
-                <a:latin typeface="Arial" panose="020B0604020202020204" pitchFamily="34" charset="0"/>
-              </a:rPr>
-              <a:t> 맵</a:t>
-            </a:r>
-            <a:r>
-              <a:rPr kumimoji="0" lang="en-US" altLang="ko-KR" sz="1400" b="0" i="0" u="none" strike="noStrike" cap="none" normalizeH="0" baseline="0" dirty="0">
-                <a:ln>
-                  <a:noFill/>
-                </a:ln>
-                <a:solidFill>
-                  <a:schemeClr val="tx1"/>
-                </a:solidFill>
-                <a:effectLst/>
-                <a:latin typeface="Arial" panose="020B0604020202020204" pitchFamily="34" charset="0"/>
-              </a:rPr>
-              <a:t>) </a:t>
-            </a:r>
-            <a:r>
-              <a:rPr kumimoji="0" lang="ko-KR" altLang="en-US" sz="1400" b="0" i="0" u="none" strike="noStrike" cap="none" normalizeH="0" baseline="0" dirty="0">
-                <a:ln>
-                  <a:noFill/>
-                </a:ln>
-                <a:solidFill>
-                  <a:schemeClr val="tx1"/>
-                </a:solidFill>
-                <a:effectLst/>
-                <a:latin typeface="Arial" panose="020B0604020202020204" pitchFamily="34" charset="0"/>
-              </a:rPr>
-              <a:t>값 최소화</a:t>
-            </a:r>
-            <a:endParaRPr kumimoji="0" lang="en-US" altLang="ko-KR" sz="1400" b="0" i="0" u="none" strike="noStrike" cap="none" normalizeH="0" baseline="0" dirty="0">
-              <a:ln>
-                <a:noFill/>
-              </a:ln>
-              <a:solidFill>
-                <a:schemeClr val="tx1"/>
-              </a:solidFill>
-              <a:effectLst/>
-              <a:latin typeface="Arial" panose="020B0604020202020204" pitchFamily="34" charset="0"/>
-            </a:endParaRPr>
-          </a:p>
-          <a:p>
-            <a:pPr marL="0" marR="0" lvl="0" indent="0" algn="l" defTabSz="914400" rtl="0" eaLnBrk="0" fontAlgn="base" latinLnBrk="0" hangingPunct="0">
-              <a:lnSpc>
-                <a:spcPct val="100000"/>
-              </a:lnSpc>
-              <a:spcBef>
-                <a:spcPct val="0"/>
-              </a:spcBef>
-              <a:spcAft>
-                <a:spcPct val="0"/>
-              </a:spcAft>
-              <a:buClrTx/>
-              <a:buSzTx/>
-              <a:tabLst/>
-            </a:pPr>
-            <a:endParaRPr kumimoji="0" lang="en-US" altLang="ko-KR" sz="1400" b="0" i="0" u="none" strike="noStrike" cap="none" normalizeH="0" baseline="0" dirty="0">
-              <a:ln>
-                <a:noFill/>
-              </a:ln>
-              <a:solidFill>
-                <a:schemeClr val="tx1"/>
-              </a:solidFill>
-              <a:effectLst/>
-              <a:latin typeface="Arial" panose="020B0604020202020204" pitchFamily="34" charset="0"/>
-            </a:endParaRPr>
-          </a:p>
-          <a:p>
-            <a:pPr marL="0" marR="0" lvl="0" indent="0" algn="l" defTabSz="914400" rtl="0" eaLnBrk="0" fontAlgn="base" latinLnBrk="0" hangingPunct="0">
-              <a:lnSpc>
-                <a:spcPct val="100000"/>
-              </a:lnSpc>
-              <a:spcBef>
-                <a:spcPct val="0"/>
-              </a:spcBef>
-              <a:spcAft>
-                <a:spcPct val="0"/>
-              </a:spcAft>
-              <a:buClrTx/>
-              <a:buSzTx/>
-              <a:tabLst/>
-            </a:pPr>
-            <a:r>
-              <a:rPr lang="en-US" altLang="ko-KR" sz="1400" dirty="0">
-                <a:latin typeface="Arial" panose="020B0604020202020204" pitchFamily="34" charset="0"/>
-              </a:rPr>
-              <a:t>7. </a:t>
-            </a:r>
-            <a:r>
-              <a:rPr lang="ko-KR" altLang="en-US" sz="1400" dirty="0">
-                <a:latin typeface="Arial" panose="020B0604020202020204" pitchFamily="34" charset="0"/>
-              </a:rPr>
-              <a:t>반복</a:t>
-            </a:r>
-            <a:endParaRPr kumimoji="0" lang="ko-KR" altLang="ko-KR" sz="1400" b="0" i="0" u="none" strike="noStrike" cap="none" normalizeH="0" baseline="0" dirty="0">
-              <a:ln>
-                <a:noFill/>
-              </a:ln>
-              <a:solidFill>
-                <a:schemeClr val="tx1"/>
-              </a:solidFill>
-              <a:effectLst/>
-              <a:latin typeface="Arial" panose="020B0604020202020204" pitchFamily="34" charset="0"/>
-            </a:endParaRPr>
-          </a:p>
-        </p:txBody>
-      </p:sp>
+        </p:txBody>
+      </p:sp>
+      <p:pic>
+        <p:nvPicPr>
+          <p:cNvPr id="16" name="그림 15">
+            <a:extLst>
+              <a:ext uri="{FF2B5EF4-FFF2-40B4-BE49-F238E27FC236}">
+                <a16:creationId xmlns:a16="http://schemas.microsoft.com/office/drawing/2014/main" id="{1576D08F-5929-DDF3-156A-7D66208C268E}"/>
+              </a:ext>
+            </a:extLst>
+          </p:cNvPr>
+          <p:cNvPicPr>
+            <a:picLocks noChangeAspect="1"/>
+          </p:cNvPicPr>
+          <p:nvPr/>
+        </p:nvPicPr>
+        <p:blipFill>
+          <a:blip r:embed="rId5"/>
+          <a:stretch>
+            <a:fillRect/>
+          </a:stretch>
+        </p:blipFill>
+        <p:spPr>
+          <a:xfrm>
+            <a:off x="9693618" y="3231583"/>
+            <a:ext cx="2061310" cy="489637"/>
+          </a:xfrm>
+          <a:prstGeom prst="rect">
+            <a:avLst/>
+          </a:prstGeom>
+        </p:spPr>
+      </p:pic>
     </p:spTree>
     <p:extLst>
       <p:ext uri="{BB962C8B-B14F-4D97-AF65-F5344CB8AC3E}">
-        <p14:creationId xmlns:p14="http://schemas.microsoft.com/office/powerpoint/2010/main" val="2679104708"/>
+        <p14:creationId xmlns:p14="http://schemas.microsoft.com/office/powerpoint/2010/main" val="3646438890"/>
       </p:ext>
     </p:extLst>
   </p:cSld>
@@ -5038,52 +4415,12 @@
           <a:chExt cx="0" cy="0"/>
         </a:xfrm>
       </p:grpSpPr>
-      <p:sp>
-        <p:nvSpPr>
-          <p:cNvPr id="16" name="제목 1">
-            <a:extLst>
-              <a:ext uri="{FF2B5EF4-FFF2-40B4-BE49-F238E27FC236}">
-                <a16:creationId xmlns:a16="http://schemas.microsoft.com/office/drawing/2014/main" id="{9B2A7473-9ED0-98AF-4B0C-7429580BB9D8}"/>
-              </a:ext>
-            </a:extLst>
-          </p:cNvPr>
-          <p:cNvSpPr>
-            <a:spLocks noGrp="1"/>
-          </p:cNvSpPr>
-          <p:nvPr>
-            <p:ph type="title"/>
-          </p:nvPr>
-        </p:nvSpPr>
-        <p:spPr>
-          <a:xfrm>
-            <a:off x="838200" y="365125"/>
-            <a:ext cx="10515600" cy="1325563"/>
-          </a:xfrm>
-        </p:spPr>
-        <p:txBody>
-          <a:bodyPr/>
-          <a:lstStyle/>
-          <a:p>
-            <a:r>
-              <a:rPr lang="en-US" altLang="ko-KR" dirty="0">
-                <a:latin typeface="Times New Roman" panose="02020603050405020304" pitchFamily="18" charset="0"/>
-                <a:cs typeface="Times New Roman" panose="02020603050405020304" pitchFamily="18" charset="0"/>
-              </a:rPr>
-              <a:t>Method</a:t>
-            </a:r>
-            <a:endParaRPr lang="ko-KR" altLang="en-US" dirty="0">
-              <a:latin typeface="Times New Roman" panose="02020603050405020304" pitchFamily="18" charset="0"/>
-              <a:cs typeface="Times New Roman" panose="02020603050405020304" pitchFamily="18" charset="0"/>
-            </a:endParaRPr>
-          </a:p>
-        </p:txBody>
-      </p:sp>
       <p:pic>
         <p:nvPicPr>
-          <p:cNvPr id="3" name="그림 2">
-            <a:extLst>
-              <a:ext uri="{FF2B5EF4-FFF2-40B4-BE49-F238E27FC236}">
-                <a16:creationId xmlns:a16="http://schemas.microsoft.com/office/drawing/2014/main" id="{15CB4A60-AD37-AB94-A9D2-C431BE83BB1D}"/>
+          <p:cNvPr id="6" name="그림 5">
+            <a:extLst>
+              <a:ext uri="{FF2B5EF4-FFF2-40B4-BE49-F238E27FC236}">
+                <a16:creationId xmlns:a16="http://schemas.microsoft.com/office/drawing/2014/main" id="{BB44542A-1FD7-DE09-6DB0-74BD406D9EE9}"/>
               </a:ext>
             </a:extLst>
           </p:cNvPr>
@@ -5092,16 +4429,15 @@
           </p:cNvPicPr>
           <p:nvPr/>
         </p:nvPicPr>
-        <p:blipFill>
+        <p:blipFill rotWithShape="1">
           <a:blip r:embed="rId2"/>
-          <a:stretch>
-            <a:fillRect/>
-          </a:stretch>
+          <a:srcRect b="34258"/>
+          <a:stretch/>
         </p:blipFill>
         <p:spPr>
           <a:xfrm>
-            <a:off x="6196237" y="1162063"/>
-            <a:ext cx="5393351" cy="5216036"/>
+            <a:off x="891208" y="2031186"/>
+            <a:ext cx="9867630" cy="2074988"/>
           </a:xfrm>
           <a:prstGeom prst="rect">
             <a:avLst/>
@@ -5110,10 +4446,10 @@
       </p:pic>
       <p:pic>
         <p:nvPicPr>
-          <p:cNvPr id="6" name="그림 5">
-            <a:extLst>
-              <a:ext uri="{FF2B5EF4-FFF2-40B4-BE49-F238E27FC236}">
-                <a16:creationId xmlns:a16="http://schemas.microsoft.com/office/drawing/2014/main" id="{492E076A-1FDF-8412-E7CA-83164A933088}"/>
+          <p:cNvPr id="12" name="그림 11">
+            <a:extLst>
+              <a:ext uri="{FF2B5EF4-FFF2-40B4-BE49-F238E27FC236}">
+                <a16:creationId xmlns:a16="http://schemas.microsoft.com/office/drawing/2014/main" id="{E5ADCC28-6590-1670-6BBF-172BFE55BECD}"/>
               </a:ext>
             </a:extLst>
           </p:cNvPr>
@@ -5130,18 +4466,347 @@
         </p:blipFill>
         <p:spPr>
           <a:xfrm>
-            <a:off x="1567000" y="1627009"/>
-            <a:ext cx="4153480" cy="4401164"/>
+            <a:off x="3665020" y="4474795"/>
+            <a:ext cx="4196554" cy="400352"/>
           </a:xfrm>
           <a:prstGeom prst="rect">
             <a:avLst/>
           </a:prstGeom>
         </p:spPr>
       </p:pic>
+      <mc:AlternateContent xmlns:mc="http://schemas.openxmlformats.org/markup-compatibility/2006" xmlns:p14="http://schemas.microsoft.com/office/powerpoint/2010/main">
+        <mc:Choice Requires="p14">
+          <p:contentPart p14:bwMode="auto" r:id="rId4">
+            <p14:nvContentPartPr>
+              <p14:cNvPr id="13" name="잉크 12">
+                <a:extLst>
+                  <a:ext uri="{FF2B5EF4-FFF2-40B4-BE49-F238E27FC236}">
+                    <a16:creationId xmlns:a16="http://schemas.microsoft.com/office/drawing/2014/main" id="{A63D9AE2-2F4F-EFB5-45AE-E61EC3503F54}"/>
+                  </a:ext>
+                </a:extLst>
+              </p14:cNvPr>
+              <p14:cNvContentPartPr/>
+              <p14:nvPr/>
+            </p14:nvContentPartPr>
+            <p14:xfrm>
+              <a:off x="4867754" y="2875900"/>
+              <a:ext cx="2190718" cy="64485"/>
+            </p14:xfrm>
+          </p:contentPart>
+        </mc:Choice>
+        <mc:Fallback xmlns="">
+          <p:pic>
+            <p:nvPicPr>
+              <p:cNvPr id="13" name="잉크 12">
+                <a:extLst>
+                  <a:ext uri="{FF2B5EF4-FFF2-40B4-BE49-F238E27FC236}">
+                    <a16:creationId xmlns:a16="http://schemas.microsoft.com/office/drawing/2014/main" id="{A63D9AE2-2F4F-EFB5-45AE-E61EC3503F54}"/>
+                  </a:ext>
+                </a:extLst>
+              </p:cNvPr>
+              <p:cNvPicPr/>
+              <p:nvPr/>
+            </p:nvPicPr>
+            <p:blipFill>
+              <a:blip r:embed="rId5"/>
+              <a:stretch>
+                <a:fillRect/>
+              </a:stretch>
+            </p:blipFill>
+            <p:spPr>
+              <a:xfrm>
+                <a:off x="4814111" y="-16405115"/>
+                <a:ext cx="2298364" cy="38691000"/>
+              </a:xfrm>
+              <a:prstGeom prst="rect">
+                <a:avLst/>
+              </a:prstGeom>
+            </p:spPr>
+          </p:pic>
+        </mc:Fallback>
+      </mc:AlternateContent>
+      <mc:AlternateContent xmlns:mc="http://schemas.openxmlformats.org/markup-compatibility/2006" xmlns:p14="http://schemas.microsoft.com/office/powerpoint/2010/main">
+        <mc:Choice Requires="p14">
+          <p:contentPart p14:bwMode="auto" r:id="rId6">
+            <p14:nvContentPartPr>
+              <p14:cNvPr id="14" name="잉크 13">
+                <a:extLst>
+                  <a:ext uri="{FF2B5EF4-FFF2-40B4-BE49-F238E27FC236}">
+                    <a16:creationId xmlns:a16="http://schemas.microsoft.com/office/drawing/2014/main" id="{1AD27168-5B25-F146-1F39-9987A49F1FF2}"/>
+                  </a:ext>
+                </a:extLst>
+              </p14:cNvPr>
+              <p14:cNvContentPartPr/>
+              <p14:nvPr/>
+            </p14:nvContentPartPr>
+            <p14:xfrm>
+              <a:off x="3741775" y="4652111"/>
+              <a:ext cx="4043044" cy="45719"/>
+            </p14:xfrm>
+          </p:contentPart>
+        </mc:Choice>
+        <mc:Fallback xmlns="">
+          <p:pic>
+            <p:nvPicPr>
+              <p:cNvPr id="14" name="잉크 13">
+                <a:extLst>
+                  <a:ext uri="{FF2B5EF4-FFF2-40B4-BE49-F238E27FC236}">
+                    <a16:creationId xmlns:a16="http://schemas.microsoft.com/office/drawing/2014/main" id="{1AD27168-5B25-F146-1F39-9987A49F1FF2}"/>
+                  </a:ext>
+                </a:extLst>
+              </p:cNvPr>
+              <p:cNvPicPr/>
+              <p:nvPr/>
+            </p:nvPicPr>
+            <p:blipFill>
+              <a:blip r:embed="rId7"/>
+              <a:stretch>
+                <a:fillRect/>
+              </a:stretch>
+            </p:blipFill>
+            <p:spPr>
+              <a:xfrm>
+                <a:off x="3688137" y="4341430"/>
+                <a:ext cx="4150681" cy="668121"/>
+              </a:xfrm>
+              <a:prstGeom prst="rect">
+                <a:avLst/>
+              </a:prstGeom>
+            </p:spPr>
+          </p:pic>
+        </mc:Fallback>
+      </mc:AlternateContent>
+      <p:sp>
+        <p:nvSpPr>
+          <p:cNvPr id="15" name="제목 1">
+            <a:extLst>
+              <a:ext uri="{FF2B5EF4-FFF2-40B4-BE49-F238E27FC236}">
+                <a16:creationId xmlns:a16="http://schemas.microsoft.com/office/drawing/2014/main" id="{E70E30EF-7DE5-AF1B-0FEE-880CEE9BEBC4}"/>
+              </a:ext>
+            </a:extLst>
+          </p:cNvPr>
+          <p:cNvSpPr>
+            <a:spLocks noGrp="1"/>
+          </p:cNvSpPr>
+          <p:nvPr>
+            <p:ph type="title"/>
+          </p:nvPr>
+        </p:nvSpPr>
+        <p:spPr>
+          <a:xfrm>
+            <a:off x="838200" y="365125"/>
+            <a:ext cx="10515600" cy="1325563"/>
+          </a:xfrm>
+        </p:spPr>
+        <p:txBody>
+          <a:bodyPr/>
+          <a:lstStyle/>
+          <a:p>
+            <a:r>
+              <a:rPr lang="en-US" altLang="ko-KR" dirty="0">
+                <a:latin typeface="Times New Roman" panose="02020603050405020304" pitchFamily="18" charset="0"/>
+                <a:cs typeface="Times New Roman" panose="02020603050405020304" pitchFamily="18" charset="0"/>
+              </a:rPr>
+              <a:t>Method</a:t>
+            </a:r>
+            <a:endParaRPr lang="ko-KR" altLang="en-US" dirty="0">
+              <a:latin typeface="Times New Roman" panose="02020603050405020304" pitchFamily="18" charset="0"/>
+              <a:cs typeface="Times New Roman" panose="02020603050405020304" pitchFamily="18" charset="0"/>
+            </a:endParaRPr>
+          </a:p>
+        </p:txBody>
+      </p:sp>
+      <p:sp>
+        <p:nvSpPr>
+          <p:cNvPr id="22" name="TextBox 21">
+            <a:extLst>
+              <a:ext uri="{FF2B5EF4-FFF2-40B4-BE49-F238E27FC236}">
+                <a16:creationId xmlns:a16="http://schemas.microsoft.com/office/drawing/2014/main" id="{435E19B6-F039-F392-E7D8-F70915665DB9}"/>
+              </a:ext>
+            </a:extLst>
+          </p:cNvPr>
+          <p:cNvSpPr txBox="1"/>
+          <p:nvPr/>
+        </p:nvSpPr>
+        <p:spPr>
+          <a:xfrm>
+            <a:off x="155274" y="5654450"/>
+            <a:ext cx="11858257" cy="738664"/>
+          </a:xfrm>
+          <a:prstGeom prst="rect">
+            <a:avLst/>
+          </a:prstGeom>
+          <a:noFill/>
+        </p:spPr>
+        <p:txBody>
+          <a:bodyPr wrap="square">
+            <a:spAutoFit/>
+          </a:bodyPr>
+          <a:lstStyle/>
+          <a:p>
+            <a:pPr algn="ctr"/>
+            <a:r>
+              <a:rPr lang="ko-KR" altLang="en-US" sz="1400" dirty="0"/>
+              <a:t>오른쪽에서 들어오는 정보</a:t>
+            </a:r>
+            <a:r>
+              <a:rPr lang="en-US" altLang="ko-KR" sz="1400" dirty="0"/>
+              <a:t> (</a:t>
+            </a:r>
+            <a:r>
+              <a:rPr lang="en-US" altLang="ko-KR" sz="1400" dirty="0" err="1"/>
+              <a:t>xt</a:t>
+            </a:r>
+            <a:r>
+              <a:rPr lang="en-US" altLang="ko-KR" sz="1400" dirty="0"/>
+              <a:t>​,</a:t>
+            </a:r>
+            <a:r>
+              <a:rPr lang="en-US" altLang="ko-KR" sz="1400" dirty="0" err="1"/>
+              <a:t>c,t</a:t>
+            </a:r>
+            <a:r>
+              <a:rPr lang="en-US" altLang="ko-KR" sz="1400" dirty="0"/>
+              <a:t>)</a:t>
+            </a:r>
+            <a:r>
+              <a:rPr lang="ko-KR" altLang="en-US" sz="1400" dirty="0"/>
+              <a:t>에서 </a:t>
+            </a:r>
+            <a:r>
+              <a:rPr lang="en-US" altLang="ko-KR" sz="1400" dirty="0"/>
+              <a:t>(</a:t>
+            </a:r>
+            <a:r>
+              <a:rPr lang="en-US" altLang="ko-KR" sz="1400" dirty="0" err="1"/>
+              <a:t>xt</a:t>
+            </a:r>
+            <a:r>
+              <a:rPr lang="en-US" altLang="ko-KR" sz="1400" dirty="0"/>
+              <a:t>​,t)</a:t>
+            </a:r>
+            <a:r>
+              <a:rPr lang="ko-KR" altLang="en-US" sz="1400" dirty="0"/>
+              <a:t>를 뺀 값</a:t>
+            </a:r>
+            <a:r>
+              <a:rPr lang="en-US" altLang="ko-KR" sz="1400" dirty="0"/>
+              <a:t>(c</a:t>
+            </a:r>
+            <a:r>
+              <a:rPr lang="ko-KR" altLang="en-US" sz="1400" dirty="0"/>
+              <a:t>의 정보</a:t>
+            </a:r>
+            <a:r>
+              <a:rPr lang="en-US" altLang="ko-KR" sz="1400" dirty="0"/>
+              <a:t>)</a:t>
+            </a:r>
+            <a:r>
+              <a:rPr lang="ko-KR" altLang="en-US" sz="1400" dirty="0"/>
+              <a:t>과 왼쪽에서 들어오는 정보</a:t>
+            </a:r>
+            <a:r>
+              <a:rPr lang="en-US" altLang="ko-KR" sz="1400" dirty="0"/>
+              <a:t> (</a:t>
+            </a:r>
+            <a:r>
+              <a:rPr lang="en-US" altLang="ko-KR" sz="1400" dirty="0" err="1"/>
+              <a:t>xt</a:t>
+            </a:r>
+            <a:r>
+              <a:rPr lang="en-US" altLang="ko-KR" sz="1400" dirty="0"/>
+              <a:t>​,</a:t>
+            </a:r>
+            <a:r>
+              <a:rPr lang="en-US" altLang="ko-KR" sz="1400" dirty="0" err="1"/>
+              <a:t>c,t</a:t>
+            </a:r>
+            <a:r>
+              <a:rPr lang="en-US" altLang="ko-KR" sz="1400" dirty="0"/>
+              <a:t>)</a:t>
+            </a:r>
+            <a:r>
+              <a:rPr lang="ko-KR" altLang="en-US" sz="1400" dirty="0"/>
+              <a:t>에 대한 노이즈의 차이를 </a:t>
+            </a:r>
+            <a:r>
+              <a:rPr lang="en-US" altLang="ko-KR" sz="1400" dirty="0"/>
+              <a:t>0</a:t>
+            </a:r>
+            <a:r>
+              <a:rPr lang="ko-KR" altLang="en-US" sz="1400" dirty="0"/>
+              <a:t>으로 만드는 작업</a:t>
+            </a:r>
+          </a:p>
+          <a:p>
+            <a:pPr algn="ctr"/>
+            <a:r>
+              <a:rPr lang="en-US" altLang="ko-KR" sz="1400" dirty="0"/>
+              <a:t>(L2 Loss)</a:t>
+            </a:r>
+            <a:r>
+              <a:rPr lang="ko-KR" altLang="en-US" sz="1400" dirty="0"/>
+              <a:t>가 </a:t>
+            </a:r>
+            <a:r>
+              <a:rPr lang="en-US" altLang="ko-KR" sz="1400" dirty="0"/>
+              <a:t>0</a:t>
+            </a:r>
+            <a:r>
+              <a:rPr lang="ko-KR" altLang="en-US" sz="1400" dirty="0"/>
+              <a:t>이라는 말은</a:t>
+            </a:r>
+            <a:r>
+              <a:rPr lang="en-US" altLang="ko-KR" sz="1400" dirty="0"/>
+              <a:t> (</a:t>
+            </a:r>
+            <a:r>
+              <a:rPr lang="en-US" altLang="ko-KR" sz="1400" dirty="0" err="1"/>
+              <a:t>xt</a:t>
+            </a:r>
+            <a:r>
+              <a:rPr lang="en-US" altLang="ko-KR" sz="1400" dirty="0"/>
+              <a:t>​,</a:t>
+            </a:r>
+            <a:r>
+              <a:rPr lang="en-US" altLang="ko-KR" sz="1400" dirty="0" err="1"/>
+              <a:t>c,t</a:t>
+            </a:r>
+            <a:r>
+              <a:rPr lang="en-US" altLang="ko-KR" sz="1400" dirty="0"/>
+              <a:t>)</a:t>
+            </a:r>
+            <a:r>
+              <a:rPr lang="ko-KR" altLang="en-US" sz="1400" dirty="0"/>
+              <a:t>가 </a:t>
+            </a:r>
+            <a:r>
+              <a:rPr lang="en-US" altLang="ko-KR" sz="1400" dirty="0"/>
+              <a:t>(</a:t>
+            </a:r>
+            <a:r>
+              <a:rPr lang="en-US" altLang="ko-KR" sz="1400" dirty="0" err="1"/>
+              <a:t>xt</a:t>
+            </a:r>
+            <a:r>
+              <a:rPr lang="en-US" altLang="ko-KR" sz="1400" dirty="0"/>
+              <a:t>​,t)</a:t>
+            </a:r>
+            <a:r>
+              <a:rPr lang="ko-KR" altLang="en-US" sz="1400" dirty="0"/>
+              <a:t>로 변화되도록 학습하는 것</a:t>
+            </a:r>
+          </a:p>
+          <a:p>
+            <a:pPr algn="ctr"/>
+            <a:endParaRPr lang="ko-KR" altLang="en-US" sz="1400" dirty="0"/>
+          </a:p>
+        </p:txBody>
+      </p:sp>
     </p:spTree>
     <p:extLst>
       <p:ext uri="{BB962C8B-B14F-4D97-AF65-F5344CB8AC3E}">
-        <p14:creationId xmlns:p14="http://schemas.microsoft.com/office/powerpoint/2010/main" val="1913005877"/>
+        <p14:creationId xmlns:p14="http://schemas.microsoft.com/office/powerpoint/2010/main" val="1234894783"/>
       </p:ext>
     </p:extLst>
   </p:cSld>
@@ -5199,7 +4864,7 @@
                 <a:latin typeface="Times New Roman" panose="02020603050405020304" pitchFamily="18" charset="0"/>
                 <a:cs typeface="Times New Roman" panose="02020603050405020304" pitchFamily="18" charset="0"/>
               </a:rPr>
-              <a:t>Experiment</a:t>
+              <a:t>Method</a:t>
             </a:r>
             <a:endParaRPr lang="ko-KR" altLang="en-US" dirty="0">
               <a:latin typeface="Times New Roman" panose="02020603050405020304" pitchFamily="18" charset="0"/>
@@ -5210,10 +4875,10 @@
       </p:sp>
       <p:pic>
         <p:nvPicPr>
-          <p:cNvPr id="4" name="그림 3">
-            <a:extLst>
-              <a:ext uri="{FF2B5EF4-FFF2-40B4-BE49-F238E27FC236}">
-                <a16:creationId xmlns:a16="http://schemas.microsoft.com/office/drawing/2014/main" id="{1E5A43AD-854E-FC54-8459-2C77523EB87C}"/>
+          <p:cNvPr id="3" name="그림 2">
+            <a:extLst>
+              <a:ext uri="{FF2B5EF4-FFF2-40B4-BE49-F238E27FC236}">
+                <a16:creationId xmlns:a16="http://schemas.microsoft.com/office/drawing/2014/main" id="{B7A823DC-F668-EA4F-7868-3664177E8A6A}"/>
               </a:ext>
             </a:extLst>
           </p:cNvPr>
@@ -5230,18 +4895,134 @@
         </p:blipFill>
         <p:spPr>
           <a:xfrm>
-            <a:off x="2918969" y="1533260"/>
-            <a:ext cx="6354062" cy="3791479"/>
+            <a:off x="1390291" y="1690688"/>
+            <a:ext cx="4932640" cy="4686731"/>
           </a:xfrm>
           <a:prstGeom prst="rect">
             <a:avLst/>
           </a:prstGeom>
         </p:spPr>
       </p:pic>
+      <p:sp>
+        <p:nvSpPr>
+          <p:cNvPr id="5" name="TextBox 4">
+            <a:extLst>
+              <a:ext uri="{FF2B5EF4-FFF2-40B4-BE49-F238E27FC236}">
+                <a16:creationId xmlns:a16="http://schemas.microsoft.com/office/drawing/2014/main" id="{AAF50F9A-5475-F4C9-5DCE-4F00E5491A04}"/>
+              </a:ext>
+            </a:extLst>
+          </p:cNvPr>
+          <p:cNvSpPr txBox="1"/>
+          <p:nvPr/>
+        </p:nvSpPr>
+        <p:spPr>
+          <a:xfrm>
+            <a:off x="6992050" y="1961672"/>
+            <a:ext cx="4223727" cy="3539430"/>
+          </a:xfrm>
+          <a:prstGeom prst="rect">
+            <a:avLst/>
+          </a:prstGeom>
+          <a:noFill/>
+        </p:spPr>
+        <p:txBody>
+          <a:bodyPr wrap="square">
+            <a:spAutoFit/>
+          </a:bodyPr>
+          <a:lstStyle/>
+          <a:p>
+            <a:r>
+              <a:rPr lang="en-US" altLang="ko-KR" sz="1400" b="1" dirty="0"/>
+              <a:t>&lt;Importance of parameter choice&gt;</a:t>
+            </a:r>
+          </a:p>
+          <a:p>
+            <a:endParaRPr lang="en-US" altLang="ko-KR" sz="1400" b="1" dirty="0"/>
+          </a:p>
+          <a:p>
+            <a:r>
+              <a:rPr lang="en-US" altLang="ko-KR" sz="1400" b="1" dirty="0"/>
+              <a:t>Self attention parameter (b) : </a:t>
+            </a:r>
+            <a:r>
+              <a:rPr lang="ko-KR" altLang="en-US" sz="1400" dirty="0"/>
+              <a:t>텍스트 프롬프트와 상관없이 모델의 전반적인 행동에 영향을 미침</a:t>
+            </a:r>
+            <a:endParaRPr lang="en-US" altLang="ko-KR" sz="1400" dirty="0"/>
+          </a:p>
+          <a:p>
+            <a:endParaRPr lang="en-US" altLang="ko-KR" sz="1400" b="1" dirty="0"/>
+          </a:p>
+          <a:p>
+            <a:r>
+              <a:rPr lang="en-US" altLang="ko-KR" sz="1400" b="1" dirty="0"/>
+              <a:t>Cross attention parameter (a) : </a:t>
+            </a:r>
+            <a:r>
+              <a:rPr lang="ko-KR" altLang="en-US" sz="1400" dirty="0"/>
+              <a:t>텍스트 프롬프트와 직접적으로 상호작용</a:t>
+            </a:r>
+            <a:endParaRPr lang="en-US" altLang="ko-KR" sz="1400" dirty="0"/>
+          </a:p>
+          <a:p>
+            <a:endParaRPr lang="en-US" altLang="ko-KR" sz="1400" dirty="0"/>
+          </a:p>
+          <a:p>
+            <a:r>
+              <a:rPr lang="en-US" altLang="ko-KR" sz="1400" dirty="0"/>
+              <a:t>=&gt; artistic style</a:t>
+            </a:r>
+            <a:r>
+              <a:rPr lang="ko-KR" altLang="en-US" sz="1400" dirty="0"/>
+              <a:t>과 같이 제거 대상을 지정하고 프롬프트를 통해 선택적으로 적용하고자 하는 경우 </a:t>
+            </a:r>
+            <a:r>
+              <a:rPr lang="en-US" altLang="ko-KR" sz="1400" dirty="0"/>
+              <a:t>Cross-Attention Parameters fine tuning(ESD-x)</a:t>
+            </a:r>
+          </a:p>
+          <a:p>
+            <a:endParaRPr lang="en-US" altLang="ko-KR" sz="1400" dirty="0"/>
+          </a:p>
+          <a:p>
+            <a:r>
+              <a:rPr lang="en-US" altLang="ko-KR" sz="1400" dirty="0"/>
+              <a:t>NSFW nudity</a:t>
+            </a:r>
+            <a:r>
+              <a:rPr lang="ko-KR" altLang="en-US" sz="1400" dirty="0"/>
+              <a:t>와 같이 글로벌 </a:t>
+            </a:r>
+            <a:r>
+              <a:rPr lang="en-US" altLang="ko-KR" sz="1400" dirty="0"/>
+              <a:t>concept</a:t>
+            </a:r>
+            <a:r>
+              <a:rPr lang="ko-KR" altLang="en-US" sz="1400" dirty="0"/>
+              <a:t>이 삭제되어야 하는 경우</a:t>
+            </a:r>
+            <a:r>
+              <a:rPr lang="en-US" altLang="ko-KR" sz="1400" dirty="0"/>
+              <a:t>, Non-Cross-Attention Parameters</a:t>
+            </a:r>
+            <a:r>
+              <a:rPr lang="ko-KR" altLang="en-US" sz="1400" dirty="0"/>
+              <a:t>를 </a:t>
+            </a:r>
+            <a:r>
+              <a:rPr lang="en-US" altLang="ko-KR" sz="1400" dirty="0"/>
+              <a:t>fine tuning(ESD-u)</a:t>
+            </a:r>
+          </a:p>
+          <a:p>
+            <a:endParaRPr lang="ko-KR" altLang="en-US" sz="1400" dirty="0"/>
+          </a:p>
+        </p:txBody>
+      </p:sp>
     </p:spTree>
     <p:extLst>
       <p:ext uri="{BB962C8B-B14F-4D97-AF65-F5344CB8AC3E}">
-        <p14:creationId xmlns:p14="http://schemas.microsoft.com/office/powerpoint/2010/main" val="2590863163"/>
+        <p14:creationId xmlns:p14="http://schemas.microsoft.com/office/powerpoint/2010/main" val="871603039"/>
       </p:ext>
     </p:extLst>
   </p:cSld>
@@ -5299,7 +5080,7 @@
                 <a:latin typeface="Times New Roman" panose="02020603050405020304" pitchFamily="18" charset="0"/>
                 <a:cs typeface="Times New Roman" panose="02020603050405020304" pitchFamily="18" charset="0"/>
               </a:rPr>
-              <a:t>Limitation</a:t>
+              <a:t>Experiment</a:t>
             </a:r>
             <a:endParaRPr lang="ko-KR" altLang="en-US" dirty="0">
               <a:latin typeface="Times New Roman" panose="02020603050405020304" pitchFamily="18" charset="0"/>
@@ -5308,93 +5089,95 @@
           </a:p>
         </p:txBody>
       </p:sp>
-      <p:sp>
-        <p:nvSpPr>
-          <p:cNvPr id="2" name="내용 개체 틀 2">
-            <a:extLst>
-              <a:ext uri="{FF2B5EF4-FFF2-40B4-BE49-F238E27FC236}">
-                <a16:creationId xmlns:a16="http://schemas.microsoft.com/office/drawing/2014/main" id="{40FF8316-3BFE-6833-18A3-44AA5C5E9D4E}"/>
-              </a:ext>
-            </a:extLst>
-          </p:cNvPr>
-          <p:cNvSpPr>
-            <a:spLocks noGrp="1"/>
-          </p:cNvSpPr>
-          <p:nvPr>
-            <p:ph idx="1"/>
-          </p:nvPr>
-        </p:nvSpPr>
+      <p:pic>
+        <p:nvPicPr>
+          <p:cNvPr id="6" name="그림 5">
+            <a:extLst>
+              <a:ext uri="{FF2B5EF4-FFF2-40B4-BE49-F238E27FC236}">
+                <a16:creationId xmlns:a16="http://schemas.microsoft.com/office/drawing/2014/main" id="{DF75E339-4985-B814-9D6E-F198F60FE6DF}"/>
+              </a:ext>
+            </a:extLst>
+          </p:cNvPr>
+          <p:cNvPicPr>
+            <a:picLocks noChangeAspect="1"/>
+          </p:cNvPicPr>
+          <p:nvPr/>
+        </p:nvPicPr>
+        <p:blipFill>
+          <a:blip r:embed="rId2"/>
+          <a:stretch>
+            <a:fillRect/>
+          </a:stretch>
+        </p:blipFill>
         <p:spPr>
           <a:xfrm>
-            <a:off x="838200" y="1831376"/>
-            <a:ext cx="10515600" cy="4320651"/>
+            <a:off x="2976127" y="1403734"/>
+            <a:ext cx="6239746" cy="4372585"/>
           </a:xfrm>
+          <a:prstGeom prst="rect">
+            <a:avLst/>
+          </a:prstGeom>
         </p:spPr>
-        <p:txBody>
-          <a:bodyPr/>
-          <a:lstStyle/>
-          <a:p>
-            <a:r>
-              <a:rPr lang="ko-KR" altLang="en-US" dirty="0">
-                <a:latin typeface="Times New Roman" panose="02020603050405020304" pitchFamily="18" charset="0"/>
-                <a:cs typeface="Times New Roman" panose="02020603050405020304" pitchFamily="18" charset="0"/>
-              </a:rPr>
-              <a:t>구체적인 개념에 대해서는 잘 작동하지만</a:t>
-            </a:r>
-            <a:r>
-              <a:rPr lang="en-US" altLang="ko-KR" dirty="0">
-                <a:latin typeface="Times New Roman" panose="02020603050405020304" pitchFamily="18" charset="0"/>
-                <a:cs typeface="Times New Roman" panose="02020603050405020304" pitchFamily="18" charset="0"/>
-              </a:rPr>
-              <a:t>, </a:t>
-            </a:r>
-            <a:r>
-              <a:rPr lang="ko-KR" altLang="en-US" dirty="0">
-                <a:latin typeface="Times New Roman" panose="02020603050405020304" pitchFamily="18" charset="0"/>
-                <a:cs typeface="Times New Roman" panose="02020603050405020304" pitchFamily="18" charset="0"/>
-              </a:rPr>
-              <a:t>추상적인 개념을 식별하고 잊게 만드는 데는 어려움 </a:t>
-            </a:r>
-            <a:r>
-              <a:rPr lang="en-US" altLang="ko-KR" dirty="0">
-                <a:latin typeface="Times New Roman" panose="02020603050405020304" pitchFamily="18" charset="0"/>
-                <a:cs typeface="Times New Roman" panose="02020603050405020304" pitchFamily="18" charset="0"/>
-              </a:rPr>
-              <a:t>=&gt; (ESD-x)</a:t>
-            </a:r>
-          </a:p>
-          <a:p>
-            <a:endParaRPr lang="en-US" altLang="ko-KR" dirty="0">
-              <a:latin typeface="Times New Roman" panose="02020603050405020304" pitchFamily="18" charset="0"/>
-              <a:cs typeface="Times New Roman" panose="02020603050405020304" pitchFamily="18" charset="0"/>
-            </a:endParaRPr>
-          </a:p>
-          <a:p>
-            <a:r>
-              <a:rPr lang="ko-KR" altLang="en-US" dirty="0">
-                <a:latin typeface="Times New Roman" panose="02020603050405020304" pitchFamily="18" charset="0"/>
-                <a:cs typeface="Times New Roman" panose="02020603050405020304" pitchFamily="18" charset="0"/>
-              </a:rPr>
-              <a:t>각 개념에 대해 개별적으로 최적의 파라미터 설정을 </a:t>
-            </a:r>
-            <a:r>
-              <a:rPr lang="ko-KR" altLang="en-US" dirty="0" err="1">
-                <a:latin typeface="Times New Roman" panose="02020603050405020304" pitchFamily="18" charset="0"/>
-                <a:cs typeface="Times New Roman" panose="02020603050405020304" pitchFamily="18" charset="0"/>
-              </a:rPr>
-              <a:t>찾아야함</a:t>
-            </a:r>
-            <a:endParaRPr lang="en-US" altLang="ko-KR" dirty="0">
-              <a:latin typeface="Times New Roman" panose="02020603050405020304" pitchFamily="18" charset="0"/>
-              <a:cs typeface="Times New Roman" panose="02020603050405020304" pitchFamily="18" charset="0"/>
-            </a:endParaRPr>
+      </p:pic>
+      <p:sp>
+        <p:nvSpPr>
+          <p:cNvPr id="13" name="TextBox 12">
+            <a:extLst>
+              <a:ext uri="{FF2B5EF4-FFF2-40B4-BE49-F238E27FC236}">
+                <a16:creationId xmlns:a16="http://schemas.microsoft.com/office/drawing/2014/main" id="{46C48F04-F35C-480B-334A-8C7A40E33287}"/>
+              </a:ext>
+            </a:extLst>
+          </p:cNvPr>
+          <p:cNvSpPr txBox="1"/>
+          <p:nvPr/>
+        </p:nvSpPr>
+        <p:spPr>
+          <a:xfrm>
+            <a:off x="3505200" y="6121838"/>
+            <a:ext cx="5181600" cy="523220"/>
+          </a:xfrm>
+          <a:prstGeom prst="rect">
+            <a:avLst/>
+          </a:prstGeom>
+          <a:noFill/>
+        </p:spPr>
+        <p:txBody>
+          <a:bodyPr wrap="square">
+            <a:spAutoFit/>
+          </a:bodyPr>
+          <a:lstStyle/>
+          <a:p>
+            <a:pPr algn="ctr"/>
+            <a:r>
+              <a:rPr lang="en-US" altLang="ko-KR" sz="1400" dirty="0"/>
+              <a:t>SD = stable diffusion</a:t>
+            </a:r>
+          </a:p>
+          <a:p>
+            <a:pPr algn="ctr"/>
+            <a:r>
+              <a:rPr lang="en-US" altLang="ko-KR" sz="1400" dirty="0"/>
+              <a:t>Avg</a:t>
+            </a:r>
+            <a:r>
+              <a:rPr lang="ko-KR" altLang="en-US" sz="1400" dirty="0"/>
+              <a:t> </a:t>
+            </a:r>
+            <a:r>
+              <a:rPr lang="en-US" altLang="ko-KR" sz="1400" dirty="0"/>
+              <a:t>Rating = </a:t>
+            </a:r>
+            <a:r>
+              <a:rPr lang="ko-KR" altLang="en-US" sz="1400" dirty="0"/>
+              <a:t>사용자들이 이미지의 유사성을 평가한 평균 점수</a:t>
+            </a:r>
           </a:p>
         </p:txBody>
       </p:sp>
     </p:spTree>
     <p:extLst>
       <p:ext uri="{BB962C8B-B14F-4D97-AF65-F5344CB8AC3E}">
-        <p14:creationId xmlns:p14="http://schemas.microsoft.com/office/powerpoint/2010/main" val="173449476"/>
+        <p14:creationId xmlns:p14="http://schemas.microsoft.com/office/powerpoint/2010/main" val="1339562651"/>
       </p:ext>
     </p:extLst>
   </p:cSld>
@@ -5448,6 +5231,206 @@
           <a:lstStyle/>
           <a:p>
             <a:r>
+              <a:rPr lang="en-US" altLang="ko-KR" dirty="0">
+                <a:latin typeface="Times New Roman" panose="02020603050405020304" pitchFamily="18" charset="0"/>
+                <a:cs typeface="Times New Roman" panose="02020603050405020304" pitchFamily="18" charset="0"/>
+              </a:rPr>
+              <a:t>Experiment</a:t>
+            </a:r>
+            <a:endParaRPr lang="ko-KR" altLang="en-US" dirty="0">
+              <a:latin typeface="Times New Roman" panose="02020603050405020304" pitchFamily="18" charset="0"/>
+              <a:cs typeface="Times New Roman" panose="02020603050405020304" pitchFamily="18" charset="0"/>
+            </a:endParaRPr>
+          </a:p>
+        </p:txBody>
+      </p:sp>
+      <p:pic>
+        <p:nvPicPr>
+          <p:cNvPr id="5" name="그림 4">
+            <a:extLst>
+              <a:ext uri="{FF2B5EF4-FFF2-40B4-BE49-F238E27FC236}">
+                <a16:creationId xmlns:a16="http://schemas.microsoft.com/office/drawing/2014/main" id="{BD723822-AFF7-BFC3-C23F-F5A2DA263E69}"/>
+              </a:ext>
+            </a:extLst>
+          </p:cNvPr>
+          <p:cNvPicPr>
+            <a:picLocks noChangeAspect="1"/>
+          </p:cNvPicPr>
+          <p:nvPr/>
+        </p:nvPicPr>
+        <p:blipFill>
+          <a:blip r:embed="rId2"/>
+          <a:stretch>
+            <a:fillRect/>
+          </a:stretch>
+        </p:blipFill>
+        <p:spPr>
+          <a:xfrm>
+            <a:off x="3716253" y="1523998"/>
+            <a:ext cx="4759493" cy="4500901"/>
+          </a:xfrm>
+          <a:prstGeom prst="rect">
+            <a:avLst/>
+          </a:prstGeom>
+        </p:spPr>
+      </p:pic>
+    </p:spTree>
+    <p:extLst>
+      <p:ext uri="{BB962C8B-B14F-4D97-AF65-F5344CB8AC3E}">
+        <p14:creationId xmlns:p14="http://schemas.microsoft.com/office/powerpoint/2010/main" val="3399002376"/>
+      </p:ext>
+    </p:extLst>
+  </p:cSld>
+  <p:clrMapOvr>
+    <a:masterClrMapping/>
+  </p:clrMapOvr>
+</p:sld>
+</file>
+
+<file path=ppt/slides/slide8.xml><?xml version="1.0" encoding="utf-8"?>
+<p:sld xmlns:a="http://schemas.openxmlformats.org/drawingml/2006/main" xmlns:r="http://schemas.openxmlformats.org/officeDocument/2006/relationships" xmlns:p="http://schemas.openxmlformats.org/presentationml/2006/main">
+  <p:cSld>
+    <p:spTree>
+      <p:nvGrpSpPr>
+        <p:cNvPr id="1" name=""/>
+        <p:cNvGrpSpPr/>
+        <p:nvPr/>
+      </p:nvGrpSpPr>
+      <p:grpSpPr>
+        <a:xfrm>
+          <a:off x="0" y="0"/>
+          <a:ext cx="0" cy="0"/>
+          <a:chOff x="0" y="0"/>
+          <a:chExt cx="0" cy="0"/>
+        </a:xfrm>
+      </p:grpSpPr>
+      <p:sp>
+        <p:nvSpPr>
+          <p:cNvPr id="11" name="제목 1">
+            <a:extLst>
+              <a:ext uri="{FF2B5EF4-FFF2-40B4-BE49-F238E27FC236}">
+                <a16:creationId xmlns:a16="http://schemas.microsoft.com/office/drawing/2014/main" id="{3C69FAFF-0C2F-2FCD-D1DB-43CF587484B5}"/>
+              </a:ext>
+            </a:extLst>
+          </p:cNvPr>
+          <p:cNvSpPr>
+            <a:spLocks noGrp="1"/>
+          </p:cNvSpPr>
+          <p:nvPr>
+            <p:ph type="title"/>
+          </p:nvPr>
+        </p:nvSpPr>
+        <p:spPr>
+          <a:xfrm>
+            <a:off x="838200" y="365125"/>
+            <a:ext cx="10515600" cy="1325563"/>
+          </a:xfrm>
+        </p:spPr>
+        <p:txBody>
+          <a:bodyPr/>
+          <a:lstStyle/>
+          <a:p>
+            <a:r>
+              <a:rPr lang="en-US" altLang="ko-KR" dirty="0">
+                <a:latin typeface="Times New Roman" panose="02020603050405020304" pitchFamily="18" charset="0"/>
+                <a:cs typeface="Times New Roman" panose="02020603050405020304" pitchFamily="18" charset="0"/>
+              </a:rPr>
+              <a:t>Limitation</a:t>
+            </a:r>
+            <a:endParaRPr lang="ko-KR" altLang="en-US" dirty="0">
+              <a:latin typeface="Times New Roman" panose="02020603050405020304" pitchFamily="18" charset="0"/>
+              <a:cs typeface="Times New Roman" panose="02020603050405020304" pitchFamily="18" charset="0"/>
+            </a:endParaRPr>
+          </a:p>
+        </p:txBody>
+      </p:sp>
+      <p:pic>
+        <p:nvPicPr>
+          <p:cNvPr id="3" name="그림 2">
+            <a:extLst>
+              <a:ext uri="{FF2B5EF4-FFF2-40B4-BE49-F238E27FC236}">
+                <a16:creationId xmlns:a16="http://schemas.microsoft.com/office/drawing/2014/main" id="{39E7D0DF-B99A-4709-A10B-F769148BC975}"/>
+              </a:ext>
+            </a:extLst>
+          </p:cNvPr>
+          <p:cNvPicPr>
+            <a:picLocks noChangeAspect="1"/>
+          </p:cNvPicPr>
+          <p:nvPr/>
+        </p:nvPicPr>
+        <p:blipFill>
+          <a:blip r:embed="rId2"/>
+          <a:stretch>
+            <a:fillRect/>
+          </a:stretch>
+        </p:blipFill>
+        <p:spPr>
+          <a:xfrm>
+            <a:off x="2933258" y="1547440"/>
+            <a:ext cx="6325483" cy="4039164"/>
+          </a:xfrm>
+          <a:prstGeom prst="rect">
+            <a:avLst/>
+          </a:prstGeom>
+        </p:spPr>
+      </p:pic>
+    </p:spTree>
+    <p:extLst>
+      <p:ext uri="{BB962C8B-B14F-4D97-AF65-F5344CB8AC3E}">
+        <p14:creationId xmlns:p14="http://schemas.microsoft.com/office/powerpoint/2010/main" val="605272073"/>
+      </p:ext>
+    </p:extLst>
+  </p:cSld>
+  <p:clrMapOvr>
+    <a:masterClrMapping/>
+  </p:clrMapOvr>
+</p:sld>
+</file>
+
+<file path=ppt/slides/slide9.xml><?xml version="1.0" encoding="utf-8"?>
+<p:sld xmlns:a="http://schemas.openxmlformats.org/drawingml/2006/main" xmlns:r="http://schemas.openxmlformats.org/officeDocument/2006/relationships" xmlns:p="http://schemas.openxmlformats.org/presentationml/2006/main">
+  <p:cSld>
+    <p:spTree>
+      <p:nvGrpSpPr>
+        <p:cNvPr id="1" name=""/>
+        <p:cNvGrpSpPr/>
+        <p:nvPr/>
+      </p:nvGrpSpPr>
+      <p:grpSpPr>
+        <a:xfrm>
+          <a:off x="0" y="0"/>
+          <a:ext cx="0" cy="0"/>
+          <a:chOff x="0" y="0"/>
+          <a:chExt cx="0" cy="0"/>
+        </a:xfrm>
+      </p:grpSpPr>
+      <p:sp>
+        <p:nvSpPr>
+          <p:cNvPr id="11" name="제목 1">
+            <a:extLst>
+              <a:ext uri="{FF2B5EF4-FFF2-40B4-BE49-F238E27FC236}">
+                <a16:creationId xmlns:a16="http://schemas.microsoft.com/office/drawing/2014/main" id="{3C69FAFF-0C2F-2FCD-D1DB-43CF587484B5}"/>
+              </a:ext>
+            </a:extLst>
+          </p:cNvPr>
+          <p:cNvSpPr>
+            <a:spLocks noGrp="1"/>
+          </p:cNvSpPr>
+          <p:nvPr>
+            <p:ph type="title"/>
+          </p:nvPr>
+        </p:nvSpPr>
+        <p:spPr>
+          <a:xfrm>
+            <a:off x="838200" y="365125"/>
+            <a:ext cx="10515600" cy="1325563"/>
+          </a:xfrm>
+        </p:spPr>
+        <p:txBody>
+          <a:bodyPr/>
+          <a:lstStyle/>
+          <a:p>
+            <a:r>
               <a:rPr lang="ko-KR" altLang="en-US" dirty="0">
                 <a:latin typeface="Times New Roman" panose="02020603050405020304" pitchFamily="18" charset="0"/>
                 <a:cs typeface="Times New Roman" panose="02020603050405020304" pitchFamily="18" charset="0"/>
@@ -5484,44 +5467,89 @@
           <a:lstStyle/>
           <a:p>
             <a:r>
+              <a:rPr lang="ko-KR" altLang="en-US" dirty="0">
+                <a:latin typeface="Times New Roman" panose="02020603050405020304" pitchFamily="18" charset="0"/>
+                <a:cs typeface="Times New Roman" panose="02020603050405020304" pitchFamily="18" charset="0"/>
+              </a:rPr>
+              <a:t>생각보다 </a:t>
+            </a:r>
+            <a:r>
               <a:rPr lang="en-US" altLang="ko-KR" dirty="0">
                 <a:latin typeface="Times New Roman" panose="02020603050405020304" pitchFamily="18" charset="0"/>
                 <a:cs typeface="Times New Roman" panose="02020603050405020304" pitchFamily="18" charset="0"/>
               </a:rPr>
-              <a:t> ESD</a:t>
+              <a:t>naïve</a:t>
             </a:r>
             <a:r>
               <a:rPr lang="ko-KR" altLang="en-US" dirty="0">
                 <a:latin typeface="Times New Roman" panose="02020603050405020304" pitchFamily="18" charset="0"/>
                 <a:cs typeface="Times New Roman" panose="02020603050405020304" pitchFamily="18" charset="0"/>
               </a:rPr>
-              <a:t>보다 </a:t>
-            </a:r>
+              <a:t>한 방식</a:t>
+            </a:r>
+            <a:endParaRPr lang="en-US" altLang="ko-KR" dirty="0">
+              <a:latin typeface="Times New Roman" panose="02020603050405020304" pitchFamily="18" charset="0"/>
+              <a:cs typeface="Times New Roman" panose="02020603050405020304" pitchFamily="18" charset="0"/>
+            </a:endParaRPr>
+          </a:p>
+          <a:p>
+            <a:endParaRPr lang="en-US" altLang="ko-KR" dirty="0">
+              <a:latin typeface="Times New Roman" panose="02020603050405020304" pitchFamily="18" charset="0"/>
+              <a:cs typeface="Times New Roman" panose="02020603050405020304" pitchFamily="18" charset="0"/>
+            </a:endParaRPr>
+          </a:p>
+          <a:p>
             <a:r>
               <a:rPr lang="en-US" altLang="ko-KR" dirty="0">
                 <a:latin typeface="Times New Roman" panose="02020603050405020304" pitchFamily="18" charset="0"/>
                 <a:cs typeface="Times New Roman" panose="02020603050405020304" pitchFamily="18" charset="0"/>
               </a:rPr>
-              <a:t>Flexibility</a:t>
+              <a:t>remain concept</a:t>
             </a:r>
             <a:r>
               <a:rPr lang="ko-KR" altLang="en-US" dirty="0">
                 <a:latin typeface="Times New Roman" panose="02020603050405020304" pitchFamily="18" charset="0"/>
                 <a:cs typeface="Times New Roman" panose="02020603050405020304" pitchFamily="18" charset="0"/>
               </a:rPr>
-              <a:t>떨어짐</a:t>
+              <a:t>에 대한 성능 하락</a:t>
             </a:r>
             <a:endParaRPr lang="en-US" altLang="ko-KR" dirty="0">
               <a:latin typeface="Times New Roman" panose="02020603050405020304" pitchFamily="18" charset="0"/>
               <a:cs typeface="Times New Roman" panose="02020603050405020304" pitchFamily="18" charset="0"/>
             </a:endParaRPr>
           </a:p>
+          <a:p>
+            <a:endParaRPr lang="en-US" altLang="ko-KR" dirty="0">
+              <a:latin typeface="Times New Roman" panose="02020603050405020304" pitchFamily="18" charset="0"/>
+              <a:cs typeface="Times New Roman" panose="02020603050405020304" pitchFamily="18" charset="0"/>
+            </a:endParaRPr>
+          </a:p>
+          <a:p>
+            <a:r>
+              <a:rPr lang="en-US" altLang="ko-KR" dirty="0">
+                <a:latin typeface="Times New Roman" panose="02020603050405020304" pitchFamily="18" charset="0"/>
+                <a:cs typeface="Times New Roman" panose="02020603050405020304" pitchFamily="18" charset="0"/>
+              </a:rPr>
+              <a:t>Regularization term</a:t>
+            </a:r>
+            <a:r>
+              <a:rPr lang="ko-KR" altLang="en-US" dirty="0">
+                <a:latin typeface="Times New Roman" panose="02020603050405020304" pitchFamily="18" charset="0"/>
+                <a:cs typeface="Times New Roman" panose="02020603050405020304" pitchFamily="18" charset="0"/>
+              </a:rPr>
+              <a:t>을 수정</a:t>
+            </a:r>
+            <a:endParaRPr lang="en-US" altLang="ko-KR" dirty="0">
+              <a:latin typeface="Times New Roman" panose="02020603050405020304" pitchFamily="18" charset="0"/>
+              <a:cs typeface="Times New Roman" panose="02020603050405020304" pitchFamily="18" charset="0"/>
+            </a:endParaRPr>
+          </a:p>
         </p:txBody>
       </p:sp>
     </p:spTree>
     <p:extLst>
       <p:ext uri="{BB962C8B-B14F-4D97-AF65-F5344CB8AC3E}">
-        <p14:creationId xmlns:p14="http://schemas.microsoft.com/office/powerpoint/2010/main" val="454506280"/>
+        <p14:creationId xmlns:p14="http://schemas.microsoft.com/office/powerpoint/2010/main" val="1342617184"/>
       </p:ext>
     </p:extLst>
   </p:cSld>
